--- a/Sunum/Presentation.pptx
+++ b/Sunum/Presentation.pptx
@@ -6,33 +6,35 @@
   </p:sldMasterIdLst>
   <p:sldIdLst>
     <p:sldId id="256" r:id="rId2"/>
-    <p:sldId id="257" r:id="rId3"/>
-    <p:sldId id="259" r:id="rId4"/>
-    <p:sldId id="267" r:id="rId5"/>
-    <p:sldId id="268" r:id="rId6"/>
-    <p:sldId id="263" r:id="rId7"/>
-    <p:sldId id="260" r:id="rId8"/>
-    <p:sldId id="258" r:id="rId9"/>
-    <p:sldId id="262" r:id="rId10"/>
-    <p:sldId id="264" r:id="rId11"/>
-    <p:sldId id="265" r:id="rId12"/>
-    <p:sldId id="266" r:id="rId13"/>
-    <p:sldId id="269" r:id="rId14"/>
-    <p:sldId id="282" r:id="rId15"/>
-    <p:sldId id="283" r:id="rId16"/>
-    <p:sldId id="284" r:id="rId17"/>
-    <p:sldId id="270" r:id="rId18"/>
-    <p:sldId id="271" r:id="rId19"/>
-    <p:sldId id="272" r:id="rId20"/>
-    <p:sldId id="273" r:id="rId21"/>
-    <p:sldId id="274" r:id="rId22"/>
-    <p:sldId id="275" r:id="rId23"/>
-    <p:sldId id="277" r:id="rId24"/>
-    <p:sldId id="278" r:id="rId25"/>
-    <p:sldId id="279" r:id="rId26"/>
-    <p:sldId id="281" r:id="rId27"/>
-    <p:sldId id="276" r:id="rId28"/>
-    <p:sldId id="280" r:id="rId29"/>
+    <p:sldId id="285" r:id="rId3"/>
+    <p:sldId id="257" r:id="rId4"/>
+    <p:sldId id="259" r:id="rId5"/>
+    <p:sldId id="267" r:id="rId6"/>
+    <p:sldId id="268" r:id="rId7"/>
+    <p:sldId id="286" r:id="rId8"/>
+    <p:sldId id="263" r:id="rId9"/>
+    <p:sldId id="260" r:id="rId10"/>
+    <p:sldId id="258" r:id="rId11"/>
+    <p:sldId id="262" r:id="rId12"/>
+    <p:sldId id="264" r:id="rId13"/>
+    <p:sldId id="265" r:id="rId14"/>
+    <p:sldId id="266" r:id="rId15"/>
+    <p:sldId id="269" r:id="rId16"/>
+    <p:sldId id="282" r:id="rId17"/>
+    <p:sldId id="283" r:id="rId18"/>
+    <p:sldId id="284" r:id="rId19"/>
+    <p:sldId id="270" r:id="rId20"/>
+    <p:sldId id="271" r:id="rId21"/>
+    <p:sldId id="272" r:id="rId22"/>
+    <p:sldId id="273" r:id="rId23"/>
+    <p:sldId id="274" r:id="rId24"/>
+    <p:sldId id="275" r:id="rId25"/>
+    <p:sldId id="277" r:id="rId26"/>
+    <p:sldId id="278" r:id="rId27"/>
+    <p:sldId id="279" r:id="rId28"/>
+    <p:sldId id="281" r:id="rId29"/>
+    <p:sldId id="276" r:id="rId30"/>
+    <p:sldId id="280" r:id="rId31"/>
   </p:sldIdLst>
   <p:sldSz cx="12192000" cy="6858000"/>
   <p:notesSz cx="6858000" cy="9144000"/>
@@ -2332,7 +2334,7 @@
         <a:lstStyle/>
         <a:p>
           <a:r>
-            <a:rPr lang="en-US"/>
+            <a:rPr lang="en-US" dirty="0"/>
             <a:t>Take Aways</a:t>
           </a:r>
         </a:p>
@@ -2404,7 +2406,7 @@
         <a:lstStyle/>
         <a:p>
           <a:r>
-            <a:rPr lang="en-US"/>
+            <a:rPr lang="en-US" dirty="0"/>
             <a:t>Q&amp;A Session</a:t>
           </a:r>
         </a:p>
@@ -2505,7 +2507,7 @@
       <dgm:spPr/>
     </dgm:pt>
     <dgm:pt modelId="{5397DB5F-9A6F-4F88-9BD7-7F8435ED3631}" type="pres">
-      <dgm:prSet presAssocID="{6D143ED3-216F-4686-A5D0-CDD70B41D2A9}" presName="bgRect" presStyleLbl="bgShp" presStyleIdx="1" presStyleCnt="5" custScaleY="237912"/>
+      <dgm:prSet presAssocID="{6D143ED3-216F-4686-A5D0-CDD70B41D2A9}" presName="bgRect" presStyleLbl="bgShp" presStyleIdx="1" presStyleCnt="5" custScaleY="237912" custLinFactNeighborX="780" custLinFactNeighborY="-5005"/>
       <dgm:spPr/>
     </dgm:pt>
     <dgm:pt modelId="{16424263-6773-4730-B842-DFA67219FBAC}" type="pres">
@@ -2885,13 +2887,21 @@
         <a:p>
           <a:r>
             <a:rPr lang="en-US" dirty="0"/>
-            <a:t>Plot with PCA algorithm </a:t>
+            <a:t>Plot with PCA(</a:t>
+          </a:r>
+          <a:r>
+            <a:rPr lang="en-IE" b="1" i="0" dirty="0"/>
+            <a:t>Principal Component Analysis</a:t>
+          </a:r>
+          <a:r>
+            <a:rPr lang="en-US" dirty="0"/>
+            <a:t>) algorithm </a:t>
           </a:r>
         </a:p>
         <a:p>
           <a:r>
             <a:rPr lang="en-US" dirty="0"/>
-            <a:t>PCA helps us to plot vector in  2 d</a:t>
+            <a:t>PCA helps us to plot vectors in  2 d</a:t>
           </a:r>
         </a:p>
       </dgm:t>
@@ -3408,7 +3418,7 @@
       </dsp:nvSpPr>
       <dsp:spPr>
         <a:xfrm>
-          <a:off x="-459745" y="2111212"/>
+          <a:off x="-408353" y="2080392"/>
           <a:ext cx="6588691" cy="1465051"/>
         </a:xfrm>
         <a:prstGeom prst="roundRect">
@@ -3789,7 +3799,7 @@
             <a:buNone/>
           </a:pPr>
           <a:r>
-            <a:rPr lang="en-US" sz="1900" kern="1200"/>
+            <a:rPr lang="en-US" sz="1900" kern="1200" dirty="0"/>
             <a:t>Take Aways</a:t>
           </a:r>
         </a:p>
@@ -4091,7 +4101,7 @@
             <a:buNone/>
           </a:pPr>
           <a:r>
-            <a:rPr lang="en-US" sz="1900" kern="1200"/>
+            <a:rPr lang="en-US" sz="1900" kern="1200" dirty="0"/>
             <a:t>Q&amp;A Session</a:t>
           </a:r>
         </a:p>
@@ -4594,7 +4604,15 @@
           </a:pPr>
           <a:r>
             <a:rPr lang="en-US" sz="1300" kern="1200" dirty="0"/>
-            <a:t>Plot with PCA algorithm </a:t>
+            <a:t>Plot with PCA(</a:t>
+          </a:r>
+          <a:r>
+            <a:rPr lang="en-IE" sz="1300" b="1" i="0" kern="1200" dirty="0"/>
+            <a:t>Principal Component Analysis</a:t>
+          </a:r>
+          <a:r>
+            <a:rPr lang="en-US" sz="1300" kern="1200" dirty="0"/>
+            <a:t>) algorithm </a:t>
           </a:r>
         </a:p>
         <a:p>
@@ -4612,7 +4630,7 @@
           </a:pPr>
           <a:r>
             <a:rPr lang="en-US" sz="1300" kern="1200" dirty="0"/>
-            <a:t>PCA helps us to plot vector in  2 d</a:t>
+            <a:t>PCA helps us to plot vectors in  2 d</a:t>
           </a:r>
         </a:p>
       </dsp:txBody>
@@ -10909,10 +10927,10 @@
           <a:lstStyle/>
           <a:p>
             <a:r>
-              <a:rPr lang="en-US" sz="6600"/>
+              <a:rPr lang="en-US" sz="6600" dirty="0"/>
               <a:t>Link prediction with Node2Vec</a:t>
             </a:r>
-            <a:endParaRPr lang="en-IE" sz="6600"/>
+            <a:endParaRPr lang="en-IE" sz="6600" dirty="0"/>
           </a:p>
         </p:txBody>
       </p:sp>
@@ -11107,6 +11125,574 @@
 </file>
 
 <file path=ppt/slides/slide10.xml><?xml version="1.0" encoding="utf-8"?>
+<p:sld xmlns:a="http://schemas.openxmlformats.org/drawingml/2006/main" xmlns:r="http://schemas.openxmlformats.org/officeDocument/2006/relationships" xmlns:p="http://schemas.openxmlformats.org/presentationml/2006/main">
+  <p:cSld>
+    <p:bg>
+      <p:bgPr>
+        <a:solidFill>
+          <a:schemeClr val="bg1"/>
+        </a:solidFill>
+        <a:effectLst/>
+      </p:bgPr>
+    </p:bg>
+    <p:spTree>
+      <p:nvGrpSpPr>
+        <p:cNvPr id="1" name=""/>
+        <p:cNvGrpSpPr/>
+        <p:nvPr/>
+      </p:nvGrpSpPr>
+      <p:grpSpPr>
+        <a:xfrm>
+          <a:off x="0" y="0"/>
+          <a:ext cx="0" cy="0"/>
+          <a:chOff x="0" y="0"/>
+          <a:chExt cx="0" cy="0"/>
+        </a:xfrm>
+      </p:grpSpPr>
+      <p:sp useBgFill="1">
+        <p:nvSpPr>
+          <p:cNvPr id="78" name="Rectangle 77">
+            <a:extLst>
+              <a:ext uri="{FF2B5EF4-FFF2-40B4-BE49-F238E27FC236}">
+                <a16:creationId xmlns:a16="http://schemas.microsoft.com/office/drawing/2014/main" id="{B95B9BA8-1D69-4796-85F5-B6D0BD52354B}"/>
+              </a:ext>
+              <a:ext uri="{C183D7F6-B498-43B3-948B-1728B52AA6E4}">
+                <adec:decorative xmlns:adec="http://schemas.microsoft.com/office/drawing/2017/decorative" val="1"/>
+              </a:ext>
+            </a:extLst>
+          </p:cNvPr>
+          <p:cNvSpPr>
+            <a:spLocks noGrp="1" noRot="1" noChangeAspect="1" noMove="1" noResize="1" noEditPoints="1" noAdjustHandles="1" noChangeArrowheads="1" noChangeShapeType="1" noTextEdit="1"/>
+          </p:cNvSpPr>
+          <p:nvPr>
+            <p:extLst>
+              <p:ext uri="{386F3935-93C4-4BCD-93E2-E3B085C9AB24}">
+                <p16:designElem xmlns:p16="http://schemas.microsoft.com/office/powerpoint/2015/main" val="1"/>
+              </p:ext>
+            </p:extLst>
+          </p:nvPr>
+        </p:nvSpPr>
+        <p:spPr>
+          <a:xfrm>
+            <a:off x="0" y="0"/>
+            <a:ext cx="12192000" cy="6858000"/>
+          </a:xfrm>
+          <a:prstGeom prst="rect">
+            <a:avLst/>
+          </a:prstGeom>
+          <a:solidFill>
+            <a:schemeClr val="tx1"/>
+          </a:solidFill>
+          <a:ln w="12700" cap="flat" cmpd="sng" algn="ctr">
+            <a:noFill/>
+            <a:prstDash val="solid"/>
+            <a:miter lim="800000"/>
+          </a:ln>
+          <a:effectLst/>
+        </p:spPr>
+        <p:style>
+          <a:lnRef idx="2">
+            <a:schemeClr val="accent1">
+              <a:shade val="50000"/>
+            </a:schemeClr>
+          </a:lnRef>
+          <a:fillRef idx="1">
+            <a:schemeClr val="accent1"/>
+          </a:fillRef>
+          <a:effectRef idx="0">
+            <a:schemeClr val="accent1"/>
+          </a:effectRef>
+          <a:fontRef idx="minor">
+            <a:schemeClr val="lt1"/>
+          </a:fontRef>
+        </p:style>
+        <p:txBody>
+          <a:bodyPr rtlCol="0" anchor="ctr"/>
+          <a:lstStyle/>
+          <a:p>
+            <a:pPr algn="ctr"/>
+            <a:endParaRPr lang="en-US"/>
+          </a:p>
+        </p:txBody>
+      </p:sp>
+      <p:sp>
+        <p:nvSpPr>
+          <p:cNvPr id="2" name="Title 1">
+            <a:extLst>
+              <a:ext uri="{FF2B5EF4-FFF2-40B4-BE49-F238E27FC236}">
+                <a16:creationId xmlns:a16="http://schemas.microsoft.com/office/drawing/2014/main" id="{9537D1A7-608F-2239-51FF-DD87A0336BE3}"/>
+              </a:ext>
+            </a:extLst>
+          </p:cNvPr>
+          <p:cNvSpPr>
+            <a:spLocks noGrp="1"/>
+          </p:cNvSpPr>
+          <p:nvPr>
+            <p:ph type="title"/>
+          </p:nvPr>
+        </p:nvSpPr>
+        <p:spPr>
+          <a:xfrm>
+            <a:off x="838200" y="1641752"/>
+            <a:ext cx="4391025" cy="1323439"/>
+          </a:xfrm>
+        </p:spPr>
+        <p:txBody>
+          <a:bodyPr anchor="t">
+            <a:normAutofit/>
+          </a:bodyPr>
+          <a:lstStyle/>
+          <a:p>
+            <a:r>
+              <a:rPr lang="en-US" sz="4000">
+                <a:solidFill>
+                  <a:schemeClr val="bg1"/>
+                </a:solidFill>
+              </a:rPr>
+              <a:t>What is Node Embedding?</a:t>
+            </a:r>
+            <a:endParaRPr lang="en-IE" sz="4000">
+              <a:solidFill>
+                <a:schemeClr val="bg1"/>
+              </a:solidFill>
+            </a:endParaRPr>
+          </a:p>
+        </p:txBody>
+      </p:sp>
+      <p:sp>
+        <p:nvSpPr>
+          <p:cNvPr id="3" name="Content Placeholder 2">
+            <a:extLst>
+              <a:ext uri="{FF2B5EF4-FFF2-40B4-BE49-F238E27FC236}">
+                <a16:creationId xmlns:a16="http://schemas.microsoft.com/office/drawing/2014/main" id="{212529F0-746A-2436-7AC1-491AC9C7CD0C}"/>
+              </a:ext>
+            </a:extLst>
+          </p:cNvPr>
+          <p:cNvSpPr>
+            <a:spLocks noGrp="1"/>
+          </p:cNvSpPr>
+          <p:nvPr>
+            <p:ph idx="1"/>
+          </p:nvPr>
+        </p:nvSpPr>
+        <p:spPr>
+          <a:xfrm>
+            <a:off x="838200" y="3146400"/>
+            <a:ext cx="4391025" cy="2454300"/>
+          </a:xfrm>
+        </p:spPr>
+        <p:txBody>
+          <a:bodyPr>
+            <a:normAutofit/>
+          </a:bodyPr>
+          <a:lstStyle/>
+          <a:p>
+            <a:r>
+              <a:rPr lang="en-US" sz="2000" b="0" i="0" dirty="0">
+                <a:solidFill>
+                  <a:schemeClr val="bg1">
+                    <a:alpha val="80000"/>
+                  </a:schemeClr>
+                </a:solidFill>
+                <a:effectLst/>
+                <a:latin typeface="Times New Roman" panose="02020603050405020304" pitchFamily="18" charset="0"/>
+                <a:cs typeface="Times New Roman" panose="02020603050405020304" pitchFamily="18" charset="0"/>
+              </a:rPr>
+              <a:t>Node embeddings are </a:t>
+            </a:r>
+            <a:r>
+              <a:rPr lang="en-US" sz="2000" b="1" i="0" dirty="0">
+                <a:solidFill>
+                  <a:schemeClr val="bg1">
+                    <a:alpha val="80000"/>
+                  </a:schemeClr>
+                </a:solidFill>
+                <a:effectLst/>
+                <a:latin typeface="Times New Roman" panose="02020603050405020304" pitchFamily="18" charset="0"/>
+                <a:cs typeface="Times New Roman" panose="02020603050405020304" pitchFamily="18" charset="0"/>
+              </a:rPr>
+              <a:t>a way of representing nodes as vectors</a:t>
+            </a:r>
+            <a:r>
+              <a:rPr lang="en-US" sz="2000" b="0" i="0" dirty="0">
+                <a:solidFill>
+                  <a:schemeClr val="bg1">
+                    <a:alpha val="80000"/>
+                  </a:schemeClr>
+                </a:solidFill>
+                <a:effectLst/>
+                <a:latin typeface="Times New Roman" panose="02020603050405020304" pitchFamily="18" charset="0"/>
+                <a:cs typeface="Times New Roman" panose="02020603050405020304" pitchFamily="18" charset="0"/>
+              </a:rPr>
+              <a:t>. </a:t>
+            </a:r>
+          </a:p>
+          <a:p>
+            <a:r>
+              <a:rPr lang="en-US" sz="2000" dirty="0">
+                <a:solidFill>
+                  <a:schemeClr val="bg1">
+                    <a:alpha val="80000"/>
+                  </a:schemeClr>
+                </a:solidFill>
+                <a:latin typeface="et-book"/>
+              </a:rPr>
+              <a:t>To be clear by “Embedding” </a:t>
+            </a:r>
+            <a:r>
+              <a:rPr lang="en-US" sz="2000" b="0" i="0" dirty="0">
+                <a:solidFill>
+                  <a:schemeClr val="bg1">
+                    <a:alpha val="80000"/>
+                  </a:schemeClr>
+                </a:solidFill>
+                <a:effectLst/>
+                <a:latin typeface="et-book"/>
+              </a:rPr>
+              <a:t>I mean mapping each node in a network into a low-dimensional space, which will give us insight into nodes’ similarity and network structure.</a:t>
+            </a:r>
+            <a:endParaRPr lang="en-IE" sz="2000" dirty="0">
+              <a:solidFill>
+                <a:schemeClr val="bg1">
+                  <a:alpha val="80000"/>
+                </a:schemeClr>
+              </a:solidFill>
+            </a:endParaRPr>
+          </a:p>
+          <a:p>
+            <a:endParaRPr lang="en-IE" sz="2000" dirty="0">
+              <a:solidFill>
+                <a:schemeClr val="bg1">
+                  <a:alpha val="80000"/>
+                </a:schemeClr>
+              </a:solidFill>
+              <a:latin typeface="Times New Roman" panose="02020603050405020304" pitchFamily="18" charset="0"/>
+              <a:cs typeface="Times New Roman" panose="02020603050405020304" pitchFamily="18" charset="0"/>
+            </a:endParaRPr>
+          </a:p>
+        </p:txBody>
+      </p:sp>
+      <p:pic>
+        <p:nvPicPr>
+          <p:cNvPr id="5" name="Picture 4" descr="Diagram&#10;&#10;Description automatically generated">
+            <a:extLst>
+              <a:ext uri="{FF2B5EF4-FFF2-40B4-BE49-F238E27FC236}">
+                <a16:creationId xmlns:a16="http://schemas.microsoft.com/office/drawing/2014/main" id="{F2F71826-E929-F00B-716D-62A2D443E030}"/>
+              </a:ext>
+            </a:extLst>
+          </p:cNvPr>
+          <p:cNvPicPr>
+            <a:picLocks noChangeAspect="1"/>
+          </p:cNvPicPr>
+          <p:nvPr/>
+        </p:nvPicPr>
+        <p:blipFill>
+          <a:blip r:embed="rId2"/>
+          <a:stretch>
+            <a:fillRect/>
+          </a:stretch>
+        </p:blipFill>
+        <p:spPr>
+          <a:xfrm>
+            <a:off x="6095999" y="2298107"/>
+            <a:ext cx="5260976" cy="2222762"/>
+          </a:xfrm>
+          <a:prstGeom prst="rect">
+            <a:avLst/>
+          </a:prstGeom>
+        </p:spPr>
+      </p:pic>
+    </p:spTree>
+    <p:extLst>
+      <p:ext uri="{BB962C8B-B14F-4D97-AF65-F5344CB8AC3E}">
+        <p14:creationId xmlns:p14="http://schemas.microsoft.com/office/powerpoint/2010/main" val="1205239680"/>
+      </p:ext>
+    </p:extLst>
+  </p:cSld>
+  <p:clrMapOvr>
+    <a:masterClrMapping/>
+  </p:clrMapOvr>
+</p:sld>
+</file>
+
+<file path=ppt/slides/slide11.xml><?xml version="1.0" encoding="utf-8"?>
+<p:sld xmlns:a="http://schemas.openxmlformats.org/drawingml/2006/main" xmlns:r="http://schemas.openxmlformats.org/officeDocument/2006/relationships" xmlns:p="http://schemas.openxmlformats.org/presentationml/2006/main">
+  <p:cSld>
+    <p:bg>
+      <p:bgPr>
+        <a:solidFill>
+          <a:schemeClr val="bg1"/>
+        </a:solidFill>
+        <a:effectLst/>
+      </p:bgPr>
+    </p:bg>
+    <p:spTree>
+      <p:nvGrpSpPr>
+        <p:cNvPr id="1" name=""/>
+        <p:cNvGrpSpPr/>
+        <p:nvPr/>
+      </p:nvGrpSpPr>
+      <p:grpSpPr>
+        <a:xfrm>
+          <a:off x="0" y="0"/>
+          <a:ext cx="0" cy="0"/>
+          <a:chOff x="0" y="0"/>
+          <a:chExt cx="0" cy="0"/>
+        </a:xfrm>
+      </p:grpSpPr>
+      <p:sp useBgFill="1">
+        <p:nvSpPr>
+          <p:cNvPr id="14" name="Rectangle 13">
+            <a:extLst>
+              <a:ext uri="{FF2B5EF4-FFF2-40B4-BE49-F238E27FC236}">
+                <a16:creationId xmlns:a16="http://schemas.microsoft.com/office/drawing/2014/main" id="{B95B9BA8-1D69-4796-85F5-B6D0BD52354B}"/>
+              </a:ext>
+              <a:ext uri="{C183D7F6-B498-43B3-948B-1728B52AA6E4}">
+                <adec:decorative xmlns:adec="http://schemas.microsoft.com/office/drawing/2017/decorative" val="1"/>
+              </a:ext>
+            </a:extLst>
+          </p:cNvPr>
+          <p:cNvSpPr>
+            <a:spLocks noGrp="1" noRot="1" noChangeAspect="1" noMove="1" noResize="1" noEditPoints="1" noAdjustHandles="1" noChangeArrowheads="1" noChangeShapeType="1" noTextEdit="1"/>
+          </p:cNvSpPr>
+          <p:nvPr>
+            <p:extLst>
+              <p:ext uri="{386F3935-93C4-4BCD-93E2-E3B085C9AB24}">
+                <p16:designElem xmlns:p16="http://schemas.microsoft.com/office/powerpoint/2015/main" val="1"/>
+              </p:ext>
+            </p:extLst>
+          </p:nvPr>
+        </p:nvSpPr>
+        <p:spPr>
+          <a:xfrm>
+            <a:off x="0" y="0"/>
+            <a:ext cx="12192000" cy="6858000"/>
+          </a:xfrm>
+          <a:prstGeom prst="rect">
+            <a:avLst/>
+          </a:prstGeom>
+          <a:solidFill>
+            <a:schemeClr val="tx1"/>
+          </a:solidFill>
+          <a:ln w="12700" cap="flat" cmpd="sng" algn="ctr">
+            <a:noFill/>
+            <a:prstDash val="solid"/>
+            <a:miter lim="800000"/>
+          </a:ln>
+          <a:effectLst/>
+        </p:spPr>
+        <p:style>
+          <a:lnRef idx="2">
+            <a:schemeClr val="accent1">
+              <a:shade val="50000"/>
+            </a:schemeClr>
+          </a:lnRef>
+          <a:fillRef idx="1">
+            <a:schemeClr val="accent1"/>
+          </a:fillRef>
+          <a:effectRef idx="0">
+            <a:schemeClr val="accent1"/>
+          </a:effectRef>
+          <a:fontRef idx="minor">
+            <a:schemeClr val="lt1"/>
+          </a:fontRef>
+        </p:style>
+        <p:txBody>
+          <a:bodyPr rtlCol="0" anchor="ctr"/>
+          <a:lstStyle/>
+          <a:p>
+            <a:pPr algn="ctr"/>
+            <a:endParaRPr lang="en-US"/>
+          </a:p>
+        </p:txBody>
+      </p:sp>
+      <p:sp>
+        <p:nvSpPr>
+          <p:cNvPr id="2" name="Title 1">
+            <a:extLst>
+              <a:ext uri="{FF2B5EF4-FFF2-40B4-BE49-F238E27FC236}">
+                <a16:creationId xmlns:a16="http://schemas.microsoft.com/office/drawing/2014/main" id="{08476AE3-B086-7B40-DDD7-279AE731694D}"/>
+              </a:ext>
+            </a:extLst>
+          </p:cNvPr>
+          <p:cNvSpPr>
+            <a:spLocks noGrp="1"/>
+          </p:cNvSpPr>
+          <p:nvPr>
+            <p:ph type="title"/>
+          </p:nvPr>
+        </p:nvSpPr>
+        <p:spPr>
+          <a:xfrm>
+            <a:off x="838200" y="1641752"/>
+            <a:ext cx="4391025" cy="1323439"/>
+          </a:xfrm>
+        </p:spPr>
+        <p:txBody>
+          <a:bodyPr anchor="t">
+            <a:normAutofit/>
+          </a:bodyPr>
+          <a:lstStyle/>
+          <a:p>
+            <a:r>
+              <a:rPr lang="en-US" sz="4000" dirty="0">
+                <a:solidFill>
+                  <a:schemeClr val="bg1"/>
+                </a:solidFill>
+              </a:rPr>
+              <a:t>4 Stage of Node Embedding</a:t>
+            </a:r>
+            <a:endParaRPr lang="en-IE" sz="4000" dirty="0">
+              <a:solidFill>
+                <a:schemeClr val="bg1"/>
+              </a:solidFill>
+            </a:endParaRPr>
+          </a:p>
+        </p:txBody>
+      </p:sp>
+      <p:sp>
+        <p:nvSpPr>
+          <p:cNvPr id="3" name="Content Placeholder 2">
+            <a:extLst>
+              <a:ext uri="{FF2B5EF4-FFF2-40B4-BE49-F238E27FC236}">
+                <a16:creationId xmlns:a16="http://schemas.microsoft.com/office/drawing/2014/main" id="{5EE5D663-D9D0-B83F-588D-B75CFDCBA89A}"/>
+              </a:ext>
+            </a:extLst>
+          </p:cNvPr>
+          <p:cNvSpPr>
+            <a:spLocks noGrp="1"/>
+          </p:cNvSpPr>
+          <p:nvPr>
+            <p:ph idx="1"/>
+          </p:nvPr>
+        </p:nvSpPr>
+        <p:spPr>
+          <a:xfrm>
+            <a:off x="838200" y="3146400"/>
+            <a:ext cx="4391025" cy="2454300"/>
+          </a:xfrm>
+        </p:spPr>
+        <p:txBody>
+          <a:bodyPr>
+            <a:normAutofit/>
+          </a:bodyPr>
+          <a:lstStyle/>
+          <a:p>
+            <a:r>
+              <a:rPr lang="en-IE" sz="2400" b="0" i="0" dirty="0">
+                <a:solidFill>
+                  <a:schemeClr val="bg1">
+                    <a:alpha val="80000"/>
+                  </a:schemeClr>
+                </a:solidFill>
+                <a:effectLst/>
+                <a:latin typeface="et-book"/>
+              </a:rPr>
+              <a:t>Define an encoder</a:t>
+            </a:r>
+          </a:p>
+          <a:p>
+            <a:r>
+              <a:rPr lang="en-US" sz="2400" b="0" i="0" dirty="0">
+                <a:solidFill>
+                  <a:schemeClr val="bg1">
+                    <a:alpha val="80000"/>
+                  </a:schemeClr>
+                </a:solidFill>
+                <a:effectLst/>
+                <a:latin typeface="et-book"/>
+              </a:rPr>
+              <a:t>Define a node similarity function</a:t>
+            </a:r>
+          </a:p>
+          <a:p>
+            <a:r>
+              <a:rPr lang="en-US" sz="2400" dirty="0">
+                <a:solidFill>
+                  <a:schemeClr val="bg1">
+                    <a:alpha val="80000"/>
+                  </a:schemeClr>
+                </a:solidFill>
+                <a:latin typeface="et-book"/>
+              </a:rPr>
+              <a:t>Define Decoder </a:t>
+            </a:r>
+            <a:endParaRPr lang="en-IE" sz="2400" dirty="0">
+              <a:solidFill>
+                <a:schemeClr val="bg1">
+                  <a:alpha val="80000"/>
+                </a:schemeClr>
+              </a:solidFill>
+              <a:latin typeface="et-book"/>
+            </a:endParaRPr>
+          </a:p>
+          <a:p>
+            <a:r>
+              <a:rPr lang="en-US" sz="2400" b="0" i="0" dirty="0">
+                <a:solidFill>
+                  <a:schemeClr val="bg1">
+                    <a:alpha val="80000"/>
+                  </a:schemeClr>
+                </a:solidFill>
+                <a:effectLst/>
+                <a:latin typeface="et-book"/>
+              </a:rPr>
+              <a:t>Optimize the parameters of the encoder</a:t>
+            </a:r>
+            <a:endParaRPr lang="en-IE" sz="2400" dirty="0">
+              <a:solidFill>
+                <a:schemeClr val="bg1">
+                  <a:alpha val="80000"/>
+                </a:schemeClr>
+              </a:solidFill>
+            </a:endParaRPr>
+          </a:p>
+        </p:txBody>
+      </p:sp>
+      <p:pic>
+        <p:nvPicPr>
+          <p:cNvPr id="9" name="Picture 8" descr="Diagram&#10;&#10;Description automatically generated">
+            <a:extLst>
+              <a:ext uri="{FF2B5EF4-FFF2-40B4-BE49-F238E27FC236}">
+                <a16:creationId xmlns:a16="http://schemas.microsoft.com/office/drawing/2014/main" id="{69AA1BFE-BB04-6FB7-F838-304DD36D7BE1}"/>
+              </a:ext>
+            </a:extLst>
+          </p:cNvPr>
+          <p:cNvPicPr>
+            <a:picLocks noChangeAspect="1"/>
+          </p:cNvPicPr>
+          <p:nvPr/>
+        </p:nvPicPr>
+        <p:blipFill>
+          <a:blip r:embed="rId2"/>
+          <a:stretch>
+            <a:fillRect/>
+          </a:stretch>
+        </p:blipFill>
+        <p:spPr>
+          <a:xfrm>
+            <a:off x="6095999" y="2554579"/>
+            <a:ext cx="5260976" cy="1709817"/>
+          </a:xfrm>
+          <a:prstGeom prst="rect">
+            <a:avLst/>
+          </a:prstGeom>
+        </p:spPr>
+      </p:pic>
+    </p:spTree>
+    <p:extLst>
+      <p:ext uri="{BB962C8B-B14F-4D97-AF65-F5344CB8AC3E}">
+        <p14:creationId xmlns:p14="http://schemas.microsoft.com/office/powerpoint/2010/main" val="2115668032"/>
+      </p:ext>
+    </p:extLst>
+  </p:cSld>
+  <p:clrMapOvr>
+    <a:masterClrMapping/>
+  </p:clrMapOvr>
+</p:sld>
+</file>
+
+<file path=ppt/slides/slide12.xml><?xml version="1.0" encoding="utf-8"?>
 <p:sld xmlns:a="http://schemas.openxmlformats.org/drawingml/2006/main" xmlns:r="http://schemas.openxmlformats.org/officeDocument/2006/relationships" xmlns:p="http://schemas.openxmlformats.org/presentationml/2006/main">
   <p:cSld>
     <p:bg>
@@ -11846,7 +12432,7 @@
           <a:lstStyle/>
           <a:p>
             <a:r>
-              <a:rPr lang="en-US" sz="2000">
+              <a:rPr lang="en-US" sz="2000" dirty="0">
                 <a:solidFill>
                   <a:schemeClr val="bg1"/>
                 </a:solidFill>
@@ -11856,7 +12442,7 @@
           </a:p>
           <a:p>
             <a:r>
-              <a:rPr lang="en-US" sz="2000">
+              <a:rPr lang="en-US" sz="2000" dirty="0">
                 <a:solidFill>
                   <a:schemeClr val="bg1"/>
                 </a:solidFill>
@@ -11866,16 +12452,16 @@
           </a:p>
           <a:p>
             <a:r>
-              <a:rPr lang="en-US" sz="2000">
+              <a:rPr lang="en-US" sz="2000" dirty="0">
                 <a:solidFill>
-                  <a:schemeClr val="bg1"/>
+                  <a:srgbClr val="FF0000"/>
                 </a:solidFill>
               </a:rPr>
               <a:t>Biased Random Walk (Node2Vec)</a:t>
             </a:r>
-            <a:endParaRPr lang="en-IE" sz="2000">
+            <a:endParaRPr lang="en-IE" sz="2000" dirty="0">
               <a:solidFill>
-                <a:schemeClr val="bg1"/>
+                <a:srgbClr val="FF0000"/>
               </a:solidFill>
             </a:endParaRPr>
           </a:p>
@@ -11924,7 +12510,7 @@
 </p:sld>
 </file>
 
-<file path=ppt/slides/slide11.xml><?xml version="1.0" encoding="utf-8"?>
+<file path=ppt/slides/slide13.xml><?xml version="1.0" encoding="utf-8"?>
 <p:sld xmlns:a="http://schemas.openxmlformats.org/drawingml/2006/main" xmlns:r="http://schemas.openxmlformats.org/officeDocument/2006/relationships" xmlns:p="http://schemas.openxmlformats.org/presentationml/2006/main">
   <p:cSld>
     <p:bg>
@@ -12679,7 +13265,7 @@
                   <a:schemeClr val="bg1"/>
                 </a:solidFill>
               </a:rPr>
-              <a:t>Simulate r Random Walks of length l starting from each node u</a:t>
+              <a:t>Simulate r Random Walks of length starting from each node u</a:t>
             </a:r>
           </a:p>
           <a:p>
@@ -12737,7 +13323,7 @@
 </p:sld>
 </file>
 
-<file path=ppt/slides/slide12.xml><?xml version="1.0" encoding="utf-8"?>
+<file path=ppt/slides/slide14.xml><?xml version="1.0" encoding="utf-8"?>
 <p:sld xmlns:a="http://schemas.openxmlformats.org/drawingml/2006/main" xmlns:r="http://schemas.openxmlformats.org/officeDocument/2006/relationships" xmlns:p="http://schemas.openxmlformats.org/presentationml/2006/main">
   <p:cSld>
     <p:bg>
@@ -13065,7 +13651,7 @@
 </p:sld>
 </file>
 
-<file path=ppt/slides/slide13.xml><?xml version="1.0" encoding="utf-8"?>
+<file path=ppt/slides/slide15.xml><?xml version="1.0" encoding="utf-8"?>
 <p:sld xmlns:a="http://schemas.openxmlformats.org/drawingml/2006/main" xmlns:r="http://schemas.openxmlformats.org/officeDocument/2006/relationships" xmlns:p="http://schemas.openxmlformats.org/presentationml/2006/main">
   <p:cSld>
     <p:bg>
@@ -13608,7 +14194,7 @@
             <p:ph idx="1"/>
             <p:extLst>
               <p:ext uri="{D42A27DB-BD31-4B8C-83A1-F6EECF244321}">
-                <p14:modId xmlns:p14="http://schemas.microsoft.com/office/powerpoint/2010/main" val="1719626987"/>
+                <p14:modId xmlns:p14="http://schemas.microsoft.com/office/powerpoint/2010/main" val="1966397735"/>
               </p:ext>
             </p:extLst>
           </p:nvPr>
@@ -13636,7 +14222,7 @@
 </p:sld>
 </file>
 
-<file path=ppt/slides/slide14.xml><?xml version="1.0" encoding="utf-8"?>
+<file path=ppt/slides/slide16.xml><?xml version="1.0" encoding="utf-8"?>
 <p:sld xmlns:a="http://schemas.openxmlformats.org/drawingml/2006/main" xmlns:r="http://schemas.openxmlformats.org/officeDocument/2006/relationships" xmlns:p="http://schemas.openxmlformats.org/presentationml/2006/main">
   <p:cSld>
     <p:bg>
@@ -13832,7 +14418,7 @@
 </p:sld>
 </file>
 
-<file path=ppt/slides/slide15.xml><?xml version="1.0" encoding="utf-8"?>
+<file path=ppt/slides/slide17.xml><?xml version="1.0" encoding="utf-8"?>
 <p:sld xmlns:a="http://schemas.openxmlformats.org/drawingml/2006/main" xmlns:r="http://schemas.openxmlformats.org/officeDocument/2006/relationships" xmlns:p="http://schemas.openxmlformats.org/presentationml/2006/main">
   <p:cSld>
     <p:bg>
@@ -14025,7 +14611,7 @@
           <a:lstStyle/>
           <a:p>
             <a:r>
-              <a:rPr lang="en-US" sz="1600" i="0">
+              <a:rPr lang="en-US" sz="1600" i="0" dirty="0">
                 <a:effectLst/>
                 <a:latin typeface="Times New Roman" panose="02020603050405020304" pitchFamily="18" charset="0"/>
                 <a:ea typeface="Tahoma" panose="020B0604030504040204" pitchFamily="34" charset="0"/>
@@ -14033,7 +14619,7 @@
               </a:rPr>
               <a:t>The F1-score combines the precision and recall of a classifier into a single metric by taking their harmonic mean.</a:t>
             </a:r>
-            <a:endParaRPr lang="en-IE" sz="1600">
+            <a:endParaRPr lang="en-IE" sz="1600" dirty="0">
               <a:latin typeface="Times New Roman" panose="02020603050405020304" pitchFamily="18" charset="0"/>
               <a:ea typeface="Tahoma" panose="020B0604030504040204" pitchFamily="34" charset="0"/>
               <a:cs typeface="Times New Roman" panose="02020603050405020304" pitchFamily="18" charset="0"/>
@@ -14084,7 +14670,7 @@
 </p:sld>
 </file>
 
-<file path=ppt/slides/slide16.xml><?xml version="1.0" encoding="utf-8"?>
+<file path=ppt/slides/slide18.xml><?xml version="1.0" encoding="utf-8"?>
 <p:sld xmlns:a="http://schemas.openxmlformats.org/drawingml/2006/main" xmlns:r="http://schemas.openxmlformats.org/officeDocument/2006/relationships" xmlns:p="http://schemas.openxmlformats.org/presentationml/2006/main">
   <p:cSld>
     <p:bg>
@@ -14109,12 +14695,124 @@
           <a:chExt cx="0" cy="0"/>
         </a:xfrm>
       </p:grpSpPr>
-      <p:sp useBgFill="1">
+      <p:sp>
         <p:nvSpPr>
-          <p:cNvPr id="8" name="Rectangle 7">
+          <p:cNvPr id="2" name="Title 1">
             <a:extLst>
               <a:ext uri="{FF2B5EF4-FFF2-40B4-BE49-F238E27FC236}">
-                <a16:creationId xmlns:a16="http://schemas.microsoft.com/office/drawing/2014/main" id="{C7FA33FF-088D-4F16-95A2-2C64D353DEA8}"/>
+                <a16:creationId xmlns:a16="http://schemas.microsoft.com/office/drawing/2014/main" id="{880CABDE-7709-8FF9-DE53-EA02734B7E85}"/>
+              </a:ext>
+            </a:extLst>
+          </p:cNvPr>
+          <p:cNvSpPr>
+            <a:spLocks noGrp="1"/>
+          </p:cNvSpPr>
+          <p:nvPr>
+            <p:ph type="title"/>
+          </p:nvPr>
+        </p:nvSpPr>
+        <p:spPr>
+          <a:xfrm>
+            <a:off x="648929" y="629266"/>
+            <a:ext cx="3505495" cy="1622321"/>
+          </a:xfrm>
+        </p:spPr>
+        <p:txBody>
+          <a:bodyPr>
+            <a:normAutofit/>
+          </a:bodyPr>
+          <a:lstStyle/>
+          <a:p>
+            <a:r>
+              <a:rPr lang="en-IE" sz="3100" b="0" i="0" dirty="0">
+                <a:effectLst/>
+                <a:latin typeface="Georgia" panose="02040502050405020303" pitchFamily="18" charset="0"/>
+              </a:rPr>
+              <a:t>Matthews correlation coefficient (MCC)</a:t>
+            </a:r>
+            <a:endParaRPr lang="en-IE" sz="3100" dirty="0"/>
+          </a:p>
+        </p:txBody>
+      </p:sp>
+      <p:sp>
+        <p:nvSpPr>
+          <p:cNvPr id="3" name="Content Placeholder 2">
+            <a:extLst>
+              <a:ext uri="{FF2B5EF4-FFF2-40B4-BE49-F238E27FC236}">
+                <a16:creationId xmlns:a16="http://schemas.microsoft.com/office/drawing/2014/main" id="{5254EF3C-4B6A-CF7F-A4E9-5CE13A6F57CB}"/>
+              </a:ext>
+            </a:extLst>
+          </p:cNvPr>
+          <p:cNvSpPr>
+            <a:spLocks noGrp="1"/>
+          </p:cNvSpPr>
+          <p:nvPr>
+            <p:ph idx="1"/>
+          </p:nvPr>
+        </p:nvSpPr>
+        <p:spPr>
+          <a:xfrm>
+            <a:off x="648931" y="2438400"/>
+            <a:ext cx="3505494" cy="3785419"/>
+          </a:xfrm>
+        </p:spPr>
+        <p:txBody>
+          <a:bodyPr>
+            <a:normAutofit lnSpcReduction="10000"/>
+          </a:bodyPr>
+          <a:lstStyle/>
+          <a:p>
+            <a:r>
+              <a:rPr lang="en-US" sz="1700" b="0" i="0" dirty="0">
+                <a:effectLst/>
+                <a:latin typeface="Georgia" panose="02040502050405020303" pitchFamily="18" charset="0"/>
+              </a:rPr>
+              <a:t>The Matthews correlation coefficient (MCC), instead, is a more reliable statistical rate that produces a high score only if the prediction obtained good results in all of the four confusion matrix categories (true positives, false negatives, true negatives, and false positives), proportionally both to the size of positive elements and the size of negative elements in the dataset.</a:t>
+            </a:r>
+          </a:p>
+          <a:p>
+            <a:r>
+              <a:rPr lang="en-US" sz="1700" b="0" i="0" dirty="0">
+                <a:effectLst/>
+                <a:latin typeface="Georgia" panose="02040502050405020303" pitchFamily="18" charset="0"/>
+              </a:rPr>
+              <a:t> r is cor</a:t>
+            </a:r>
+            <a:r>
+              <a:rPr lang="en-US" sz="1700" dirty="0">
+                <a:latin typeface="Georgia" panose="02040502050405020303" pitchFamily="18" charset="0"/>
+              </a:rPr>
+              <a:t>relation </a:t>
+            </a:r>
+            <a:r>
+              <a:rPr lang="en-IE" sz="1800" b="0" i="0" dirty="0">
+                <a:effectLst/>
+                <a:latin typeface="Georgia" panose="02040502050405020303" pitchFamily="18" charset="0"/>
+              </a:rPr>
+              <a:t>coefficient</a:t>
+            </a:r>
+            <a:endParaRPr lang="en-US" sz="1700" b="0" i="0" dirty="0">
+              <a:effectLst/>
+              <a:latin typeface="Georgia" panose="02040502050405020303" pitchFamily="18" charset="0"/>
+            </a:endParaRPr>
+          </a:p>
+          <a:p>
+            <a:pPr marL="0" indent="0">
+              <a:buNone/>
+            </a:pPr>
+            <a:br>
+              <a:rPr lang="en-US" sz="1700" dirty="0"/>
+            </a:br>
+            <a:endParaRPr lang="en-IE" sz="1700" dirty="0"/>
+          </a:p>
+        </p:txBody>
+      </p:sp>
+      <p:sp>
+        <p:nvSpPr>
+          <p:cNvPr id="17" name="Rectangle 16">
+            <a:extLst>
+              <a:ext uri="{FF2B5EF4-FFF2-40B4-BE49-F238E27FC236}">
+                <a16:creationId xmlns:a16="http://schemas.microsoft.com/office/drawing/2014/main" id="{5E39A796-BE83-48B1-B33F-35C4A32AAB57}"/>
               </a:ext>
               <a:ext uri="{C183D7F6-B498-43B3-948B-1728B52AA6E4}">
                 <adec:decorative xmlns:adec="http://schemas.microsoft.com/office/drawing/2017/decorative" val="1"/>
@@ -14134,105 +14832,14 @@
         </p:nvSpPr>
         <p:spPr>
           <a:xfrm>
-            <a:off x="1524" y="0"/>
-            <a:ext cx="12188952" cy="6858000"/>
-          </a:xfrm>
-          <a:prstGeom prst="rect">
-            <a:avLst/>
-          </a:prstGeom>
-          <a:ln>
-            <a:noFill/>
-          </a:ln>
-        </p:spPr>
-        <p:style>
-          <a:lnRef idx="2">
-            <a:schemeClr val="accent1">
-              <a:shade val="50000"/>
-            </a:schemeClr>
-          </a:lnRef>
-          <a:fillRef idx="1">
-            <a:schemeClr val="accent1"/>
-          </a:fillRef>
-          <a:effectRef idx="0">
-            <a:schemeClr val="accent1"/>
-          </a:effectRef>
-          <a:fontRef idx="minor">
-            <a:schemeClr val="lt1"/>
-          </a:fontRef>
-        </p:style>
-        <p:txBody>
-          <a:bodyPr rtlCol="0" anchor="ctr"/>
-          <a:lstStyle/>
-          <a:p>
-            <a:pPr marL="0" marR="0" lvl="0" indent="0" algn="ctr" defTabSz="914400" rtl="0" eaLnBrk="1" fontAlgn="auto" latinLnBrk="0" hangingPunct="1">
-              <a:lnSpc>
-                <a:spcPct val="100000"/>
-              </a:lnSpc>
-              <a:spcBef>
-                <a:spcPts val="0"/>
-              </a:spcBef>
-              <a:spcAft>
-                <a:spcPts val="0"/>
-              </a:spcAft>
-              <a:buClrTx/>
-              <a:buSzTx/>
-              <a:buFontTx/>
-              <a:buNone/>
-              <a:tabLst/>
-              <a:defRPr/>
-            </a:pPr>
-            <a:endParaRPr kumimoji="0" lang="en-US" sz="1800" b="0" i="0" u="none" strike="noStrike" kern="1200" cap="none" spc="0" normalizeH="0" baseline="0" noProof="0">
-              <a:ln>
-                <a:noFill/>
-              </a:ln>
-              <a:solidFill>
-                <a:prstClr val="white"/>
-              </a:solidFill>
-              <a:effectLst/>
-              <a:uLnTx/>
-              <a:uFillTx/>
-              <a:latin typeface="Calibri" panose="020F0502020204030204"/>
-              <a:ea typeface="+mn-ea"/>
-              <a:cs typeface="+mn-cs"/>
-            </a:endParaRPr>
-          </a:p>
-        </p:txBody>
-      </p:sp>
-      <p:sp>
-        <p:nvSpPr>
-          <p:cNvPr id="10" name="Rectangle 9">
-            <a:extLst>
-              <a:ext uri="{FF2B5EF4-FFF2-40B4-BE49-F238E27FC236}">
-                <a16:creationId xmlns:a16="http://schemas.microsoft.com/office/drawing/2014/main" id="{A376EFB1-01CF-419F-ABF1-2AF02BBFCBD1}"/>
-              </a:ext>
-              <a:ext uri="{C183D7F6-B498-43B3-948B-1728B52AA6E4}">
-                <adec:decorative xmlns:adec="http://schemas.microsoft.com/office/drawing/2017/decorative" val="1"/>
-              </a:ext>
-            </a:extLst>
-          </p:cNvPr>
-          <p:cNvSpPr>
-            <a:spLocks noGrp="1" noRot="1" noChangeAspect="1" noMove="1" noResize="1" noEditPoints="1" noAdjustHandles="1" noChangeArrowheads="1" noChangeShapeType="1" noTextEdit="1"/>
-          </p:cNvSpPr>
-          <p:nvPr>
-            <p:extLst>
-              <p:ext uri="{386F3935-93C4-4BCD-93E2-E3B085C9AB24}">
-                <p16:designElem xmlns:p16="http://schemas.microsoft.com/office/powerpoint/2015/main" val="1"/>
-              </p:ext>
-            </p:extLst>
-          </p:nvPr>
-        </p:nvSpPr>
-        <p:spPr>
-          <a:xfrm>
-            <a:off x="0" y="0"/>
-            <a:ext cx="4709160" cy="6858000"/>
+            <a:off x="4639056" y="0"/>
+            <a:ext cx="7552944" cy="6858000"/>
           </a:xfrm>
           <a:prstGeom prst="rect">
             <a:avLst/>
           </a:prstGeom>
           <a:solidFill>
-            <a:schemeClr val="tx1">
-              <a:alpha val="81000"/>
-            </a:schemeClr>
+            <a:srgbClr val="C8CACA"/>
           </a:solidFill>
           <a:ln>
             <a:noFill/>
@@ -14258,46 +14865,17 @@
           <a:bodyPr rtlCol="0" anchor="ctr"/>
           <a:lstStyle/>
           <a:p>
-            <a:pPr marL="0" marR="0" lvl="0" indent="0" algn="ctr" defTabSz="914400" rtl="0" eaLnBrk="1" fontAlgn="auto" latinLnBrk="0" hangingPunct="1">
-              <a:lnSpc>
-                <a:spcPct val="100000"/>
-              </a:lnSpc>
-              <a:spcBef>
-                <a:spcPts val="0"/>
-              </a:spcBef>
-              <a:spcAft>
-                <a:spcPts val="0"/>
-              </a:spcAft>
-              <a:buClrTx/>
-              <a:buSzTx/>
-              <a:buFontTx/>
-              <a:buNone/>
-              <a:tabLst/>
-              <a:defRPr/>
-            </a:pPr>
-            <a:endParaRPr kumimoji="0" lang="en-US" sz="1800" b="0" i="0" u="none" strike="noStrike" kern="1200" cap="none" spc="0" normalizeH="0" baseline="0" noProof="0">
-              <a:ln>
-                <a:noFill/>
-              </a:ln>
-              <a:solidFill>
-                <a:prstClr val="white"/>
-              </a:solidFill>
-              <a:effectLst/>
-              <a:uLnTx/>
-              <a:uFillTx/>
-              <a:latin typeface="Calibri" panose="020F0502020204030204"/>
-              <a:ea typeface="+mn-ea"/>
-              <a:cs typeface="+mn-cs"/>
-            </a:endParaRPr>
+            <a:pPr algn="ctr"/>
+            <a:endParaRPr lang="en-US"/>
           </a:p>
         </p:txBody>
       </p:sp>
       <p:sp>
         <p:nvSpPr>
-          <p:cNvPr id="12" name="Freeform: Shape 11">
+          <p:cNvPr id="19" name="Rounded Rectangle 9">
             <a:extLst>
               <a:ext uri="{FF2B5EF4-FFF2-40B4-BE49-F238E27FC236}">
-                <a16:creationId xmlns:a16="http://schemas.microsoft.com/office/drawing/2014/main" id="{FF9DEA15-78BD-4750-AA18-B9F28A6D5AB8}"/>
+                <a16:creationId xmlns:a16="http://schemas.microsoft.com/office/drawing/2014/main" id="{72F84B47-E267-4194-8194-831DB7B5547F}"/>
               </a:ext>
               <a:ext uri="{C183D7F6-B498-43B3-948B-1728B52AA6E4}">
                 <adec:decorative xmlns:adec="http://schemas.microsoft.com/office/drawing/2017/decorative" val="1"/>
@@ -14317,63 +14895,29 @@
         </p:nvSpPr>
         <p:spPr>
           <a:xfrm>
-            <a:off x="0" y="0"/>
-            <a:ext cx="3284331" cy="6858000"/>
+            <a:off x="5123688" y="557784"/>
+            <a:ext cx="6584098" cy="5739187"/>
           </a:xfrm>
-          <a:custGeom>
-            <a:avLst/>
-            <a:gdLst>
-              <a:gd name="connsiteX0" fmla="*/ 0 w 4319042"/>
-              <a:gd name="connsiteY0" fmla="*/ 0 h 6858000"/>
-              <a:gd name="connsiteX1" fmla="*/ 1142888 w 4319042"/>
-              <a:gd name="connsiteY1" fmla="*/ 0 h 6858000"/>
-              <a:gd name="connsiteX2" fmla="*/ 4319042 w 4319042"/>
-              <a:gd name="connsiteY2" fmla="*/ 6858000 h 6858000"/>
-              <a:gd name="connsiteX3" fmla="*/ 0 w 4319042"/>
-              <a:gd name="connsiteY3" fmla="*/ 6858000 h 6858000"/>
-            </a:gdLst>
-            <a:ahLst/>
-            <a:cxnLst>
-              <a:cxn ang="0">
-                <a:pos x="connsiteX0" y="connsiteY0"/>
-              </a:cxn>
-              <a:cxn ang="0">
-                <a:pos x="connsiteX1" y="connsiteY1"/>
-              </a:cxn>
-              <a:cxn ang="0">
-                <a:pos x="connsiteX2" y="connsiteY2"/>
-              </a:cxn>
-              <a:cxn ang="0">
-                <a:pos x="connsiteX3" y="connsiteY3"/>
-              </a:cxn>
-            </a:cxnLst>
-            <a:rect l="l" t="t" r="r" b="b"/>
-            <a:pathLst>
-              <a:path w="4319042" h="6858000">
-                <a:moveTo>
-                  <a:pt x="0" y="0"/>
-                </a:moveTo>
-                <a:lnTo>
-                  <a:pt x="1142888" y="0"/>
-                </a:lnTo>
-                <a:lnTo>
-                  <a:pt x="4319042" y="6858000"/>
-                </a:lnTo>
-                <a:lnTo>
-                  <a:pt x="0" y="6858000"/>
-                </a:lnTo>
-                <a:close/>
-              </a:path>
-            </a:pathLst>
-          </a:custGeom>
+          <a:prstGeom prst="roundRect">
+            <a:avLst>
+              <a:gd name="adj" fmla="val 0"/>
+            </a:avLst>
+          </a:prstGeom>
           <a:solidFill>
-            <a:schemeClr val="tx1">
-              <a:alpha val="35000"/>
-            </a:schemeClr>
+            <a:srgbClr val="FFFFFF"/>
           </a:solidFill>
-          <a:ln>
-            <a:noFill/>
+          <a:ln w="9525">
+            <a:solidFill>
+              <a:srgbClr val="C8CACA"/>
+            </a:solidFill>
           </a:ln>
+          <a:effectLst>
+            <a:outerShdw blurRad="57150" dist="19050" dir="5400000" algn="t" rotWithShape="0">
+              <a:prstClr val="black">
+                <a:alpha val="63000"/>
+              </a:prstClr>
+            </a:outerShdw>
+          </a:effectLst>
         </p:spPr>
         <p:style>
           <a:lnRef idx="2">
@@ -14392,138 +14936,45 @@
           </a:fontRef>
         </p:style>
         <p:txBody>
-          <a:bodyPr wrap="square" rtlCol="0" anchor="ctr">
-            <a:noAutofit/>
-          </a:bodyPr>
+          <a:bodyPr rtlCol="0" anchor="ctr"/>
           <a:lstStyle/>
           <a:p>
-            <a:pPr marL="0" marR="0" lvl="0" indent="0" algn="ctr" defTabSz="914400" rtl="0" eaLnBrk="1" fontAlgn="auto" latinLnBrk="0" hangingPunct="1">
-              <a:lnSpc>
-                <a:spcPct val="100000"/>
-              </a:lnSpc>
-              <a:spcBef>
-                <a:spcPts val="0"/>
-              </a:spcBef>
-              <a:spcAft>
-                <a:spcPts val="0"/>
-              </a:spcAft>
-              <a:buClrTx/>
-              <a:buSzTx/>
-              <a:buFontTx/>
-              <a:buNone/>
-              <a:tabLst/>
-              <a:defRPr/>
-            </a:pPr>
-            <a:endParaRPr kumimoji="0" lang="en-US" sz="1800" b="0" i="0" u="none" strike="noStrike" kern="1200" cap="none" spc="0" normalizeH="0" baseline="0" noProof="0">
-              <a:ln>
-                <a:noFill/>
-              </a:ln>
-              <a:solidFill>
-                <a:prstClr val="white"/>
-              </a:solidFill>
-              <a:effectLst/>
-              <a:uLnTx/>
-              <a:uFillTx/>
-              <a:latin typeface="Calibri" panose="020F0502020204030204"/>
-              <a:ea typeface="+mn-ea"/>
-              <a:cs typeface="+mn-cs"/>
-            </a:endParaRPr>
+            <a:pPr algn="ctr"/>
+            <a:endParaRPr lang="en-US"/>
           </a:p>
         </p:txBody>
       </p:sp>
-      <p:sp>
-        <p:nvSpPr>
-          <p:cNvPr id="2" name="Title 1">
+      <p:pic>
+        <p:nvPicPr>
+          <p:cNvPr id="5" name="Picture 4">
             <a:extLst>
               <a:ext uri="{FF2B5EF4-FFF2-40B4-BE49-F238E27FC236}">
-                <a16:creationId xmlns:a16="http://schemas.microsoft.com/office/drawing/2014/main" id="{880CABDE-7709-8FF9-DE53-EA02734B7E85}"/>
+                <a16:creationId xmlns:a16="http://schemas.microsoft.com/office/drawing/2014/main" id="{41F2D1DA-8940-3508-EB0A-DEEE853EB621}"/>
               </a:ext>
             </a:extLst>
           </p:cNvPr>
-          <p:cNvSpPr>
-            <a:spLocks noGrp="1"/>
-          </p:cNvSpPr>
-          <p:nvPr>
-            <p:ph type="title"/>
-          </p:nvPr>
-        </p:nvSpPr>
+          <p:cNvPicPr>
+            <a:picLocks noChangeAspect="1"/>
+          </p:cNvPicPr>
+          <p:nvPr/>
+        </p:nvPicPr>
+        <p:blipFill>
+          <a:blip r:embed="rId2"/>
+          <a:stretch>
+            <a:fillRect/>
+          </a:stretch>
+        </p:blipFill>
         <p:spPr>
           <a:xfrm>
-            <a:off x="804672" y="640080"/>
-            <a:ext cx="3282696" cy="5257800"/>
+            <a:off x="5405862" y="1910695"/>
+            <a:ext cx="6019331" cy="3033363"/>
           </a:xfrm>
+          <a:prstGeom prst="rect">
+            <a:avLst/>
+          </a:prstGeom>
+          <a:effectLst/>
         </p:spPr>
-        <p:txBody>
-          <a:bodyPr>
-            <a:normAutofit/>
-          </a:bodyPr>
-          <a:lstStyle/>
-          <a:p>
-            <a:r>
-              <a:rPr lang="en-IE" b="0" i="0">
-                <a:solidFill>
-                  <a:schemeClr val="bg1"/>
-                </a:solidFill>
-                <a:effectLst/>
-                <a:latin typeface="Georgia" panose="02040502050405020303" pitchFamily="18" charset="0"/>
-              </a:rPr>
-              <a:t>Matthews correlation coefficient (MCC)</a:t>
-            </a:r>
-            <a:endParaRPr lang="en-IE">
-              <a:solidFill>
-                <a:schemeClr val="bg1"/>
-              </a:solidFill>
-            </a:endParaRPr>
-          </a:p>
-        </p:txBody>
-      </p:sp>
-      <p:sp>
-        <p:nvSpPr>
-          <p:cNvPr id="3" name="Content Placeholder 2">
-            <a:extLst>
-              <a:ext uri="{FF2B5EF4-FFF2-40B4-BE49-F238E27FC236}">
-                <a16:creationId xmlns:a16="http://schemas.microsoft.com/office/drawing/2014/main" id="{5254EF3C-4B6A-CF7F-A4E9-5CE13A6F57CB}"/>
-              </a:ext>
-            </a:extLst>
-          </p:cNvPr>
-          <p:cNvSpPr>
-            <a:spLocks noGrp="1"/>
-          </p:cNvSpPr>
-          <p:nvPr>
-            <p:ph idx="1"/>
-          </p:nvPr>
-        </p:nvSpPr>
-        <p:spPr>
-          <a:xfrm>
-            <a:off x="5358384" y="640081"/>
-            <a:ext cx="6024654" cy="5257800"/>
-          </a:xfrm>
-        </p:spPr>
-        <p:txBody>
-          <a:bodyPr anchor="ctr">
-            <a:normAutofit/>
-          </a:bodyPr>
-          <a:lstStyle/>
-          <a:p>
-            <a:r>
-              <a:rPr lang="en-US" sz="2400" b="0" i="0" dirty="0">
-                <a:effectLst/>
-                <a:latin typeface="Georgia" panose="02040502050405020303" pitchFamily="18" charset="0"/>
-              </a:rPr>
-              <a:t>The Matthews correlation coefficient (MCC), instead, is a more reliable statistical rate that produces a high score only if the prediction obtained good results in all of the four confusion matrix categories (true positives, false negatives, true negatives, and false positives), proportionally both to the size of positive elements and the size of negative elements in the dataset.</a:t>
-            </a:r>
-          </a:p>
-          <a:p>
-            <a:pPr marL="0" indent="0">
-              <a:buNone/>
-            </a:pPr>
-            <a:br>
-              <a:rPr lang="en-US" sz="2400" dirty="0"/>
-            </a:br>
-            <a:endParaRPr lang="en-IE" sz="2400" dirty="0"/>
-          </a:p>
-        </p:txBody>
-      </p:sp>
+      </p:pic>
     </p:spTree>
     <p:extLst>
       <p:ext uri="{BB962C8B-B14F-4D97-AF65-F5344CB8AC3E}">
@@ -14537,7 +14988,7 @@
 </p:sld>
 </file>
 
-<file path=ppt/slides/slide17.xml><?xml version="1.0" encoding="utf-8"?>
+<file path=ppt/slides/slide19.xml><?xml version="1.0" encoding="utf-8"?>
 <p:sld xmlns:a="http://schemas.openxmlformats.org/drawingml/2006/main" xmlns:r="http://schemas.openxmlformats.org/officeDocument/2006/relationships" xmlns:p="http://schemas.openxmlformats.org/presentationml/2006/main">
   <p:cSld>
     <p:bg>
@@ -14785,7 +15236,1677 @@
 </p:sld>
 </file>
 
-<file path=ppt/slides/slide18.xml><?xml version="1.0" encoding="utf-8"?>
+<file path=ppt/slides/slide2.xml><?xml version="1.0" encoding="utf-8"?>
+<p:sld xmlns:a="http://schemas.openxmlformats.org/drawingml/2006/main" xmlns:r="http://schemas.openxmlformats.org/officeDocument/2006/relationships" xmlns:p="http://schemas.openxmlformats.org/presentationml/2006/main">
+  <p:cSld>
+    <p:bg>
+      <p:bgPr>
+        <a:solidFill>
+          <a:schemeClr val="bg1">
+            <a:tint val="95000"/>
+            <a:satMod val="170000"/>
+          </a:schemeClr>
+        </a:solidFill>
+        <a:effectLst/>
+      </p:bgPr>
+    </p:bg>
+    <p:spTree>
+      <p:nvGrpSpPr>
+        <p:cNvPr id="1" name=""/>
+        <p:cNvGrpSpPr/>
+        <p:nvPr/>
+      </p:nvGrpSpPr>
+      <p:grpSpPr>
+        <a:xfrm>
+          <a:off x="0" y="0"/>
+          <a:ext cx="0" cy="0"/>
+          <a:chOff x="0" y="0"/>
+          <a:chExt cx="0" cy="0"/>
+        </a:xfrm>
+      </p:grpSpPr>
+      <p:sp>
+        <p:nvSpPr>
+          <p:cNvPr id="2" name="Title 1">
+            <a:extLst>
+              <a:ext uri="{FF2B5EF4-FFF2-40B4-BE49-F238E27FC236}">
+                <a16:creationId xmlns:a16="http://schemas.microsoft.com/office/drawing/2014/main" id="{7F66A698-780B-CFAD-6FC4-75847BB03474}"/>
+              </a:ext>
+            </a:extLst>
+          </p:cNvPr>
+          <p:cNvSpPr>
+            <a:spLocks noGrp="1"/>
+          </p:cNvSpPr>
+          <p:nvPr>
+            <p:ph type="title"/>
+          </p:nvPr>
+        </p:nvSpPr>
+        <p:spPr>
+          <a:xfrm>
+            <a:off x="886968" y="1472184"/>
+            <a:ext cx="3767328" cy="4581144"/>
+          </a:xfrm>
+        </p:spPr>
+        <p:txBody>
+          <a:bodyPr anchor="t">
+            <a:normAutofit/>
+          </a:bodyPr>
+          <a:lstStyle/>
+          <a:p>
+            <a:r>
+              <a:rPr lang="en-US" sz="4600" b="1" i="0">
+                <a:effectLst/>
+                <a:latin typeface="Lucida Grande"/>
+              </a:rPr>
+              <a:t>Evaluating Node Embeddings of Complex Networks</a:t>
+            </a:r>
+            <a:br>
+              <a:rPr lang="en-US" sz="4600" b="1" i="0">
+                <a:effectLst/>
+                <a:latin typeface="Lucida Grande"/>
+              </a:rPr>
+            </a:br>
+            <a:br>
+              <a:rPr lang="en-US" sz="4600"/>
+            </a:br>
+            <a:endParaRPr lang="en-IE" sz="4600"/>
+          </a:p>
+        </p:txBody>
+      </p:sp>
+      <p:sp>
+        <p:nvSpPr>
+          <p:cNvPr id="3" name="Content Placeholder 2">
+            <a:extLst>
+              <a:ext uri="{FF2B5EF4-FFF2-40B4-BE49-F238E27FC236}">
+                <a16:creationId xmlns:a16="http://schemas.microsoft.com/office/drawing/2014/main" id="{D4D2CE26-110D-3AEC-9013-0927EAD2D000}"/>
+              </a:ext>
+            </a:extLst>
+          </p:cNvPr>
+          <p:cNvSpPr>
+            <a:spLocks noGrp="1"/>
+          </p:cNvSpPr>
+          <p:nvPr>
+            <p:ph idx="1"/>
+          </p:nvPr>
+        </p:nvSpPr>
+        <p:spPr>
+          <a:xfrm>
+            <a:off x="5248656" y="1472184"/>
+            <a:ext cx="6153912" cy="4581144"/>
+          </a:xfrm>
+        </p:spPr>
+        <p:txBody>
+          <a:bodyPr>
+            <a:normAutofit/>
+          </a:bodyPr>
+          <a:lstStyle/>
+          <a:p>
+            <a:r>
+              <a:rPr lang="en-US" sz="2400" dirty="0"/>
+              <a:t> It is our paper that we use in this project. You can find it in </a:t>
+            </a:r>
+            <a:r>
+              <a:rPr lang="en-IE" sz="2400" b="0" i="0" u="sng" dirty="0">
+                <a:effectLst/>
+                <a:latin typeface="Times New Roman" panose="02020603050405020304" pitchFamily="18" charset="0"/>
+                <a:cs typeface="Times New Roman" panose="02020603050405020304" pitchFamily="18" charset="0"/>
+                <a:hlinkClick r:id="rId2"/>
+              </a:rPr>
+              <a:t>here</a:t>
+            </a:r>
+            <a:endParaRPr lang="en-IE" sz="2400" b="0" i="0" u="sng" dirty="0">
+              <a:effectLst/>
+              <a:latin typeface="Times New Roman" panose="02020603050405020304" pitchFamily="18" charset="0"/>
+              <a:cs typeface="Times New Roman" panose="02020603050405020304" pitchFamily="18" charset="0"/>
+            </a:endParaRPr>
+          </a:p>
+          <a:p>
+            <a:endParaRPr lang="en-IE" sz="2400" dirty="0"/>
+          </a:p>
+        </p:txBody>
+      </p:sp>
+      <p:grpSp>
+        <p:nvGrpSpPr>
+          <p:cNvPr id="8" name="Group 7">
+            <a:extLst>
+              <a:ext uri="{FF2B5EF4-FFF2-40B4-BE49-F238E27FC236}">
+                <a16:creationId xmlns:a16="http://schemas.microsoft.com/office/drawing/2014/main" id="{DDAE397D-2F47-480F-95CA-D5EDB24333CB}"/>
+              </a:ext>
+              <a:ext uri="{C183D7F6-B498-43B3-948B-1728B52AA6E4}">
+                <adec:decorative xmlns:adec="http://schemas.microsoft.com/office/drawing/2017/decorative" val="1"/>
+              </a:ext>
+            </a:extLst>
+          </p:cNvPr>
+          <p:cNvGrpSpPr>
+            <a:grpSpLocks noGrp="1" noUngrp="1" noRot="1" noChangeAspect="1" noMove="1" noResize="1"/>
+          </p:cNvGrpSpPr>
+          <p:nvPr>
+            <p:extLst>
+              <p:ext uri="{386F3935-93C4-4BCD-93E2-E3B085C9AB24}">
+                <p16:designElem xmlns:p16="http://schemas.microsoft.com/office/powerpoint/2015/main" val="1"/>
+              </p:ext>
+            </p:extLst>
+          </p:nvPr>
+        </p:nvGrpSpPr>
+        <p:grpSpPr>
+          <a:xfrm>
+            <a:off x="-417513" y="0"/>
+            <a:ext cx="12584114" cy="6853238"/>
+            <a:chOff x="-417513" y="0"/>
+            <a:chExt cx="12584114" cy="6853238"/>
+          </a:xfrm>
+        </p:grpSpPr>
+        <p:sp>
+          <p:nvSpPr>
+            <p:cNvPr id="9" name="Freeform 5">
+              <a:extLst>
+                <a:ext uri="{FF2B5EF4-FFF2-40B4-BE49-F238E27FC236}">
+                  <a16:creationId xmlns:a16="http://schemas.microsoft.com/office/drawing/2014/main" id="{BD66E0D2-4D47-45F5-9F6C-04DF950CBB11}"/>
+                </a:ext>
+                <a:ext uri="{C183D7F6-B498-43B3-948B-1728B52AA6E4}">
+                  <adec:decorative xmlns:adec="http://schemas.microsoft.com/office/drawing/2017/decorative" val="1"/>
+                </a:ext>
+              </a:extLst>
+            </p:cNvPr>
+            <p:cNvSpPr/>
+            <p:nvPr>
+              <p:extLst>
+                <p:ext uri="{386F3935-93C4-4BCD-93E2-E3B085C9AB24}">
+                  <p16:designElem xmlns:p16="http://schemas.microsoft.com/office/powerpoint/2015/main" val="1"/>
+                </p:ext>
+              </p:extLst>
+            </p:nvPr>
+          </p:nvSpPr>
+          <p:spPr bwMode="auto">
+            <a:xfrm>
+              <a:off x="1306513" y="0"/>
+              <a:ext cx="3862388" cy="6843713"/>
+            </a:xfrm>
+            <a:custGeom>
+              <a:avLst/>
+              <a:gdLst/>
+              <a:ahLst/>
+              <a:cxnLst/>
+              <a:rect l="0" t="0" r="r" b="b"/>
+              <a:pathLst>
+                <a:path w="813" h="1440">
+                  <a:moveTo>
+                    <a:pt x="813" y="0"/>
+                  </a:moveTo>
+                  <a:cubicBezTo>
+                    <a:pt x="331" y="221"/>
+                    <a:pt x="0" y="1039"/>
+                    <a:pt x="435" y="1440"/>
+                  </a:cubicBezTo>
+                </a:path>
+              </a:pathLst>
+            </a:custGeom>
+            <a:noFill/>
+            <a:ln w="9525" cap="flat">
+              <a:solidFill>
+                <a:schemeClr val="tx1">
+                  <a:alpha val="10000"/>
+                </a:schemeClr>
+              </a:solidFill>
+              <a:prstDash val="solid"/>
+              <a:miter lim="800000"/>
+              <a:headEnd/>
+              <a:tailEnd/>
+            </a:ln>
+            <a:extLst>
+              <a:ext uri="{909E8E84-426E-40DD-AFC4-6F175D3DCCD1}">
+                <a14:hiddenFill xmlns:a14="http://schemas.microsoft.com/office/drawing/2010/main">
+                  <a:solidFill>
+                    <a:srgbClr val="FFFFFF"/>
+                  </a:solidFill>
+                </a14:hiddenFill>
+              </a:ext>
+            </a:extLst>
+          </p:spPr>
+          <p:txBody>
+            <a:bodyPr/>
+            <a:lstStyle/>
+            <a:p>
+              <a:endParaRPr lang="en-US" dirty="0"/>
+            </a:p>
+          </p:txBody>
+        </p:sp>
+        <p:sp>
+          <p:nvSpPr>
+            <p:cNvPr id="10" name="Freeform 6">
+              <a:extLst>
+                <a:ext uri="{FF2B5EF4-FFF2-40B4-BE49-F238E27FC236}">
+                  <a16:creationId xmlns:a16="http://schemas.microsoft.com/office/drawing/2014/main" id="{C36CD79E-81FA-41B2-9A38-E0E26BCBE851}"/>
+                </a:ext>
+                <a:ext uri="{C183D7F6-B498-43B3-948B-1728B52AA6E4}">
+                  <adec:decorative xmlns:adec="http://schemas.microsoft.com/office/drawing/2017/decorative" val="1"/>
+                </a:ext>
+              </a:extLst>
+            </p:cNvPr>
+            <p:cNvSpPr/>
+            <p:nvPr>
+              <p:extLst>
+                <p:ext uri="{386F3935-93C4-4BCD-93E2-E3B085C9AB24}">
+                  <p16:designElem xmlns:p16="http://schemas.microsoft.com/office/powerpoint/2015/main" val="1"/>
+                </p:ext>
+              </p:extLst>
+            </p:nvPr>
+          </p:nvSpPr>
+          <p:spPr bwMode="auto">
+            <a:xfrm>
+              <a:off x="10626725" y="9525"/>
+              <a:ext cx="1539875" cy="555625"/>
+            </a:xfrm>
+            <a:custGeom>
+              <a:avLst/>
+              <a:gdLst/>
+              <a:ahLst/>
+              <a:cxnLst/>
+              <a:rect l="0" t="0" r="r" b="b"/>
+              <a:pathLst>
+                <a:path w="324" h="117">
+                  <a:moveTo>
+                    <a:pt x="324" y="117"/>
+                  </a:moveTo>
+                  <a:cubicBezTo>
+                    <a:pt x="223" y="64"/>
+                    <a:pt x="107" y="28"/>
+                    <a:pt x="0" y="0"/>
+                  </a:cubicBezTo>
+                </a:path>
+              </a:pathLst>
+            </a:custGeom>
+            <a:noFill/>
+            <a:ln w="9525" cap="flat">
+              <a:solidFill>
+                <a:schemeClr val="tx1">
+                  <a:alpha val="10000"/>
+                </a:schemeClr>
+              </a:solidFill>
+              <a:prstDash val="solid"/>
+              <a:miter lim="800000"/>
+              <a:headEnd/>
+              <a:tailEnd/>
+            </a:ln>
+            <a:extLst>
+              <a:ext uri="{909E8E84-426E-40DD-AFC4-6F175D3DCCD1}">
+                <a14:hiddenFill xmlns:a14="http://schemas.microsoft.com/office/drawing/2010/main">
+                  <a:solidFill>
+                    <a:srgbClr val="FFFFFF"/>
+                  </a:solidFill>
+                </a14:hiddenFill>
+              </a:ext>
+            </a:extLst>
+          </p:spPr>
+        </p:sp>
+        <p:sp>
+          <p:nvSpPr>
+            <p:cNvPr id="11" name="Freeform 7">
+              <a:extLst>
+                <a:ext uri="{FF2B5EF4-FFF2-40B4-BE49-F238E27FC236}">
+                  <a16:creationId xmlns:a16="http://schemas.microsoft.com/office/drawing/2014/main" id="{58CF2E87-8DCB-4A21-A926-1879E39DE79B}"/>
+                </a:ext>
+                <a:ext uri="{C183D7F6-B498-43B3-948B-1728B52AA6E4}">
+                  <adec:decorative xmlns:adec="http://schemas.microsoft.com/office/drawing/2017/decorative" val="1"/>
+                </a:ext>
+              </a:extLst>
+            </p:cNvPr>
+            <p:cNvSpPr/>
+            <p:nvPr>
+              <p:extLst>
+                <p:ext uri="{386F3935-93C4-4BCD-93E2-E3B085C9AB24}">
+                  <p16:designElem xmlns:p16="http://schemas.microsoft.com/office/powerpoint/2015/main" val="1"/>
+                </p:ext>
+              </p:extLst>
+            </p:nvPr>
+          </p:nvSpPr>
+          <p:spPr bwMode="auto">
+            <a:xfrm>
+              <a:off x="10247313" y="5013325"/>
+              <a:ext cx="1919288" cy="1830388"/>
+            </a:xfrm>
+            <a:custGeom>
+              <a:avLst/>
+              <a:gdLst/>
+              <a:ahLst/>
+              <a:cxnLst/>
+              <a:rect l="0" t="0" r="r" b="b"/>
+              <a:pathLst>
+                <a:path w="404" h="385">
+                  <a:moveTo>
+                    <a:pt x="0" y="385"/>
+                  </a:moveTo>
+                  <a:cubicBezTo>
+                    <a:pt x="146" y="272"/>
+                    <a:pt x="285" y="142"/>
+                    <a:pt x="404" y="0"/>
+                  </a:cubicBezTo>
+                </a:path>
+              </a:pathLst>
+            </a:custGeom>
+            <a:noFill/>
+            <a:ln w="9525" cap="flat">
+              <a:solidFill>
+                <a:schemeClr val="tx1">
+                  <a:alpha val="10000"/>
+                </a:schemeClr>
+              </a:solidFill>
+              <a:prstDash val="solid"/>
+              <a:miter lim="800000"/>
+              <a:headEnd/>
+              <a:tailEnd/>
+            </a:ln>
+            <a:extLst>
+              <a:ext uri="{909E8E84-426E-40DD-AFC4-6F175D3DCCD1}">
+                <a14:hiddenFill xmlns:a14="http://schemas.microsoft.com/office/drawing/2010/main">
+                  <a:solidFill>
+                    <a:srgbClr val="FFFFFF"/>
+                  </a:solidFill>
+                </a14:hiddenFill>
+              </a:ext>
+            </a:extLst>
+          </p:spPr>
+        </p:sp>
+        <p:sp>
+          <p:nvSpPr>
+            <p:cNvPr id="12" name="Freeform 8">
+              <a:extLst>
+                <a:ext uri="{FF2B5EF4-FFF2-40B4-BE49-F238E27FC236}">
+                  <a16:creationId xmlns:a16="http://schemas.microsoft.com/office/drawing/2014/main" id="{E8EBCED8-09A7-4078-908F-87C5C90943E3}"/>
+                </a:ext>
+                <a:ext uri="{C183D7F6-B498-43B3-948B-1728B52AA6E4}">
+                  <adec:decorative xmlns:adec="http://schemas.microsoft.com/office/drawing/2017/decorative" val="1"/>
+                </a:ext>
+              </a:extLst>
+            </p:cNvPr>
+            <p:cNvSpPr/>
+            <p:nvPr>
+              <p:extLst>
+                <p:ext uri="{386F3935-93C4-4BCD-93E2-E3B085C9AB24}">
+                  <p16:designElem xmlns:p16="http://schemas.microsoft.com/office/powerpoint/2015/main" val="1"/>
+                </p:ext>
+              </p:extLst>
+            </p:nvPr>
+          </p:nvSpPr>
+          <p:spPr bwMode="auto">
+            <a:xfrm>
+              <a:off x="1120775" y="0"/>
+              <a:ext cx="3676650" cy="6843713"/>
+            </a:xfrm>
+            <a:custGeom>
+              <a:avLst/>
+              <a:gdLst/>
+              <a:ahLst/>
+              <a:cxnLst/>
+              <a:rect l="0" t="0" r="r" b="b"/>
+              <a:pathLst>
+                <a:path w="774" h="1440">
+                  <a:moveTo>
+                    <a:pt x="774" y="0"/>
+                  </a:moveTo>
+                  <a:cubicBezTo>
+                    <a:pt x="312" y="240"/>
+                    <a:pt x="0" y="1034"/>
+                    <a:pt x="411" y="1440"/>
+                  </a:cubicBezTo>
+                </a:path>
+              </a:pathLst>
+            </a:custGeom>
+            <a:noFill/>
+            <a:ln w="9525" cap="flat">
+              <a:solidFill>
+                <a:schemeClr val="tx1">
+                  <a:alpha val="10000"/>
+                </a:schemeClr>
+              </a:solidFill>
+              <a:prstDash val="dash"/>
+              <a:miter lim="800000"/>
+              <a:headEnd/>
+              <a:tailEnd/>
+            </a:ln>
+            <a:extLst>
+              <a:ext uri="{909E8E84-426E-40DD-AFC4-6F175D3DCCD1}">
+                <a14:hiddenFill xmlns:a14="http://schemas.microsoft.com/office/drawing/2010/main">
+                  <a:solidFill>
+                    <a:srgbClr val="FFFFFF"/>
+                  </a:solidFill>
+                </a14:hiddenFill>
+              </a:ext>
+            </a:extLst>
+          </p:spPr>
+        </p:sp>
+        <p:sp>
+          <p:nvSpPr>
+            <p:cNvPr id="13" name="Freeform 9">
+              <a:extLst>
+                <a:ext uri="{FF2B5EF4-FFF2-40B4-BE49-F238E27FC236}">
+                  <a16:creationId xmlns:a16="http://schemas.microsoft.com/office/drawing/2014/main" id="{881B8E24-1A3B-4288-834C-5C75EE6121F5}"/>
+                </a:ext>
+                <a:ext uri="{C183D7F6-B498-43B3-948B-1728B52AA6E4}">
+                  <adec:decorative xmlns:adec="http://schemas.microsoft.com/office/drawing/2017/decorative" val="1"/>
+                </a:ext>
+              </a:extLst>
+            </p:cNvPr>
+            <p:cNvSpPr/>
+            <p:nvPr>
+              <p:extLst>
+                <p:ext uri="{386F3935-93C4-4BCD-93E2-E3B085C9AB24}">
+                  <p16:designElem xmlns:p16="http://schemas.microsoft.com/office/powerpoint/2015/main" val="1"/>
+                </p:ext>
+              </p:extLst>
+            </p:nvPr>
+          </p:nvSpPr>
+          <p:spPr bwMode="auto">
+            <a:xfrm>
+              <a:off x="11202988" y="9525"/>
+              <a:ext cx="963613" cy="366713"/>
+            </a:xfrm>
+            <a:custGeom>
+              <a:avLst/>
+              <a:gdLst/>
+              <a:ahLst/>
+              <a:cxnLst/>
+              <a:rect l="0" t="0" r="r" b="b"/>
+              <a:pathLst>
+                <a:path w="203" h="77">
+                  <a:moveTo>
+                    <a:pt x="203" y="77"/>
+                  </a:moveTo>
+                  <a:cubicBezTo>
+                    <a:pt x="138" y="46"/>
+                    <a:pt x="68" y="21"/>
+                    <a:pt x="0" y="0"/>
+                  </a:cubicBezTo>
+                </a:path>
+              </a:pathLst>
+            </a:custGeom>
+            <a:noFill/>
+            <a:ln w="9525" cap="flat">
+              <a:solidFill>
+                <a:schemeClr val="tx1">
+                  <a:alpha val="10000"/>
+                </a:schemeClr>
+              </a:solidFill>
+              <a:prstDash val="dash"/>
+              <a:miter lim="800000"/>
+              <a:headEnd/>
+              <a:tailEnd/>
+            </a:ln>
+            <a:extLst>
+              <a:ext uri="{909E8E84-426E-40DD-AFC4-6F175D3DCCD1}">
+                <a14:hiddenFill xmlns:a14="http://schemas.microsoft.com/office/drawing/2010/main">
+                  <a:solidFill>
+                    <a:srgbClr val="FFFFFF"/>
+                  </a:solidFill>
+                </a14:hiddenFill>
+              </a:ext>
+            </a:extLst>
+          </p:spPr>
+        </p:sp>
+        <p:sp>
+          <p:nvSpPr>
+            <p:cNvPr id="14" name="Freeform 10">
+              <a:extLst>
+                <a:ext uri="{FF2B5EF4-FFF2-40B4-BE49-F238E27FC236}">
+                  <a16:creationId xmlns:a16="http://schemas.microsoft.com/office/drawing/2014/main" id="{CE6C6947-62CC-47B5-8006-0DBB11057072}"/>
+                </a:ext>
+                <a:ext uri="{C183D7F6-B498-43B3-948B-1728B52AA6E4}">
+                  <adec:decorative xmlns:adec="http://schemas.microsoft.com/office/drawing/2017/decorative" val="1"/>
+                </a:ext>
+              </a:extLst>
+            </p:cNvPr>
+            <p:cNvSpPr/>
+            <p:nvPr>
+              <p:extLst>
+                <p:ext uri="{386F3935-93C4-4BCD-93E2-E3B085C9AB24}">
+                  <p16:designElem xmlns:p16="http://schemas.microsoft.com/office/powerpoint/2015/main" val="1"/>
+                </p:ext>
+              </p:extLst>
+            </p:nvPr>
+          </p:nvSpPr>
+          <p:spPr bwMode="auto">
+            <a:xfrm>
+              <a:off x="10494963" y="5275263"/>
+              <a:ext cx="1666875" cy="1577975"/>
+            </a:xfrm>
+            <a:custGeom>
+              <a:avLst/>
+              <a:gdLst/>
+              <a:ahLst/>
+              <a:cxnLst/>
+              <a:rect l="0" t="0" r="r" b="b"/>
+              <a:pathLst>
+                <a:path w="351" h="332">
+                  <a:moveTo>
+                    <a:pt x="0" y="332"/>
+                  </a:moveTo>
+                  <a:cubicBezTo>
+                    <a:pt x="125" y="232"/>
+                    <a:pt x="245" y="121"/>
+                    <a:pt x="351" y="0"/>
+                  </a:cubicBezTo>
+                </a:path>
+              </a:pathLst>
+            </a:custGeom>
+            <a:noFill/>
+            <a:ln w="9525" cap="flat">
+              <a:solidFill>
+                <a:schemeClr val="tx1">
+                  <a:alpha val="10000"/>
+                </a:schemeClr>
+              </a:solidFill>
+              <a:prstDash val="dash"/>
+              <a:miter lim="800000"/>
+              <a:headEnd/>
+              <a:tailEnd/>
+            </a:ln>
+            <a:extLst>
+              <a:ext uri="{909E8E84-426E-40DD-AFC4-6F175D3DCCD1}">
+                <a14:hiddenFill xmlns:a14="http://schemas.microsoft.com/office/drawing/2010/main">
+                  <a:solidFill>
+                    <a:srgbClr val="FFFFFF"/>
+                  </a:solidFill>
+                </a14:hiddenFill>
+              </a:ext>
+            </a:extLst>
+          </p:spPr>
+        </p:sp>
+        <p:sp>
+          <p:nvSpPr>
+            <p:cNvPr id="15" name="Freeform 11">
+              <a:extLst>
+                <a:ext uri="{FF2B5EF4-FFF2-40B4-BE49-F238E27FC236}">
+                  <a16:creationId xmlns:a16="http://schemas.microsoft.com/office/drawing/2014/main" id="{5A3EA873-FF38-49B1-AA18-6CAA8278A707}"/>
+                </a:ext>
+                <a:ext uri="{C183D7F6-B498-43B3-948B-1728B52AA6E4}">
+                  <adec:decorative xmlns:adec="http://schemas.microsoft.com/office/drawing/2017/decorative" val="1"/>
+                </a:ext>
+              </a:extLst>
+            </p:cNvPr>
+            <p:cNvSpPr/>
+            <p:nvPr>
+              <p:extLst>
+                <p:ext uri="{386F3935-93C4-4BCD-93E2-E3B085C9AB24}">
+                  <p16:designElem xmlns:p16="http://schemas.microsoft.com/office/powerpoint/2015/main" val="1"/>
+                </p:ext>
+              </p:extLst>
+            </p:nvPr>
+          </p:nvSpPr>
+          <p:spPr bwMode="auto">
+            <a:xfrm>
+              <a:off x="1001713" y="0"/>
+              <a:ext cx="3621088" cy="6843713"/>
+            </a:xfrm>
+            <a:custGeom>
+              <a:avLst/>
+              <a:gdLst/>
+              <a:ahLst/>
+              <a:cxnLst/>
+              <a:rect l="0" t="0" r="r" b="b"/>
+              <a:pathLst>
+                <a:path w="762" h="1440">
+                  <a:moveTo>
+                    <a:pt x="762" y="0"/>
+                  </a:moveTo>
+                  <a:cubicBezTo>
+                    <a:pt x="308" y="245"/>
+                    <a:pt x="0" y="1033"/>
+                    <a:pt x="403" y="1440"/>
+                  </a:cubicBezTo>
+                </a:path>
+              </a:pathLst>
+            </a:custGeom>
+            <a:noFill/>
+            <a:ln w="9525" cap="flat">
+              <a:solidFill>
+                <a:schemeClr val="tx1">
+                  <a:alpha val="10000"/>
+                </a:schemeClr>
+              </a:solidFill>
+              <a:prstDash val="solid"/>
+              <a:miter lim="800000"/>
+              <a:headEnd/>
+              <a:tailEnd/>
+            </a:ln>
+            <a:extLst>
+              <a:ext uri="{909E8E84-426E-40DD-AFC4-6F175D3DCCD1}">
+                <a14:hiddenFill xmlns:a14="http://schemas.microsoft.com/office/drawing/2010/main">
+                  <a:solidFill>
+                    <a:srgbClr val="FFFFFF"/>
+                  </a:solidFill>
+                </a14:hiddenFill>
+              </a:ext>
+            </a:extLst>
+          </p:spPr>
+        </p:sp>
+        <p:sp>
+          <p:nvSpPr>
+            <p:cNvPr id="16" name="Freeform 12">
+              <a:extLst>
+                <a:ext uri="{FF2B5EF4-FFF2-40B4-BE49-F238E27FC236}">
+                  <a16:creationId xmlns:a16="http://schemas.microsoft.com/office/drawing/2014/main" id="{2B74FB34-BB05-4313-9474-A4F9B27A5FF1}"/>
+                </a:ext>
+                <a:ext uri="{C183D7F6-B498-43B3-948B-1728B52AA6E4}">
+                  <adec:decorative xmlns:adec="http://schemas.microsoft.com/office/drawing/2017/decorative" val="1"/>
+                </a:ext>
+              </a:extLst>
+            </p:cNvPr>
+            <p:cNvSpPr/>
+            <p:nvPr>
+              <p:extLst>
+                <p:ext uri="{386F3935-93C4-4BCD-93E2-E3B085C9AB24}">
+                  <p16:designElem xmlns:p16="http://schemas.microsoft.com/office/powerpoint/2015/main" val="1"/>
+                </p:ext>
+              </p:extLst>
+            </p:nvPr>
+          </p:nvSpPr>
+          <p:spPr bwMode="auto">
+            <a:xfrm>
+              <a:off x="11501438" y="9525"/>
+              <a:ext cx="665163" cy="257175"/>
+            </a:xfrm>
+            <a:custGeom>
+              <a:avLst/>
+              <a:gdLst/>
+              <a:ahLst/>
+              <a:cxnLst/>
+              <a:rect l="0" t="0" r="r" b="b"/>
+              <a:pathLst>
+                <a:path w="140" h="54">
+                  <a:moveTo>
+                    <a:pt x="140" y="54"/>
+                  </a:moveTo>
+                  <a:cubicBezTo>
+                    <a:pt x="95" y="34"/>
+                    <a:pt x="48" y="16"/>
+                    <a:pt x="0" y="0"/>
+                  </a:cubicBezTo>
+                </a:path>
+              </a:pathLst>
+            </a:custGeom>
+            <a:noFill/>
+            <a:ln w="9525" cap="flat">
+              <a:solidFill>
+                <a:schemeClr val="tx1">
+                  <a:alpha val="10000"/>
+                </a:schemeClr>
+              </a:solidFill>
+              <a:prstDash val="solid"/>
+              <a:miter lim="800000"/>
+              <a:headEnd/>
+              <a:tailEnd/>
+            </a:ln>
+            <a:extLst>
+              <a:ext uri="{909E8E84-426E-40DD-AFC4-6F175D3DCCD1}">
+                <a14:hiddenFill xmlns:a14="http://schemas.microsoft.com/office/drawing/2010/main">
+                  <a:solidFill>
+                    <a:srgbClr val="FFFFFF"/>
+                  </a:solidFill>
+                </a14:hiddenFill>
+              </a:ext>
+            </a:extLst>
+          </p:spPr>
+        </p:sp>
+        <p:sp>
+          <p:nvSpPr>
+            <p:cNvPr id="17" name="Freeform 13">
+              <a:extLst>
+                <a:ext uri="{FF2B5EF4-FFF2-40B4-BE49-F238E27FC236}">
+                  <a16:creationId xmlns:a16="http://schemas.microsoft.com/office/drawing/2014/main" id="{3673863D-063E-49A6-9856-52014BB4D6EB}"/>
+                </a:ext>
+                <a:ext uri="{C183D7F6-B498-43B3-948B-1728B52AA6E4}">
+                  <adec:decorative xmlns:adec="http://schemas.microsoft.com/office/drawing/2017/decorative" val="1"/>
+                </a:ext>
+              </a:extLst>
+            </p:cNvPr>
+            <p:cNvSpPr/>
+            <p:nvPr>
+              <p:extLst>
+                <p:ext uri="{386F3935-93C4-4BCD-93E2-E3B085C9AB24}">
+                  <p16:designElem xmlns:p16="http://schemas.microsoft.com/office/powerpoint/2015/main" val="1"/>
+                </p:ext>
+              </p:extLst>
+            </p:nvPr>
+          </p:nvSpPr>
+          <p:spPr bwMode="auto">
+            <a:xfrm>
+              <a:off x="10641013" y="5408613"/>
+              <a:ext cx="1525588" cy="1435100"/>
+            </a:xfrm>
+            <a:custGeom>
+              <a:avLst/>
+              <a:gdLst/>
+              <a:ahLst/>
+              <a:cxnLst/>
+              <a:rect l="0" t="0" r="r" b="b"/>
+              <a:pathLst>
+                <a:path w="321" h="302">
+                  <a:moveTo>
+                    <a:pt x="0" y="302"/>
+                  </a:moveTo>
+                  <a:cubicBezTo>
+                    <a:pt x="114" y="210"/>
+                    <a:pt x="223" y="109"/>
+                    <a:pt x="321" y="0"/>
+                  </a:cubicBezTo>
+                </a:path>
+              </a:pathLst>
+            </a:custGeom>
+            <a:noFill/>
+            <a:ln w="9525" cap="flat">
+              <a:solidFill>
+                <a:schemeClr val="tx1">
+                  <a:alpha val="10000"/>
+                </a:schemeClr>
+              </a:solidFill>
+              <a:prstDash val="solid"/>
+              <a:miter lim="800000"/>
+              <a:headEnd/>
+              <a:tailEnd/>
+            </a:ln>
+            <a:extLst>
+              <a:ext uri="{909E8E84-426E-40DD-AFC4-6F175D3DCCD1}">
+                <a14:hiddenFill xmlns:a14="http://schemas.microsoft.com/office/drawing/2010/main">
+                  <a:solidFill>
+                    <a:srgbClr val="FFFFFF"/>
+                  </a:solidFill>
+                </a14:hiddenFill>
+              </a:ext>
+            </a:extLst>
+          </p:spPr>
+        </p:sp>
+        <p:sp>
+          <p:nvSpPr>
+            <p:cNvPr id="18" name="Freeform 14">
+              <a:extLst>
+                <a:ext uri="{FF2B5EF4-FFF2-40B4-BE49-F238E27FC236}">
+                  <a16:creationId xmlns:a16="http://schemas.microsoft.com/office/drawing/2014/main" id="{59E7384A-6379-482C-8070-680EA33AF4BF}"/>
+                </a:ext>
+                <a:ext uri="{C183D7F6-B498-43B3-948B-1728B52AA6E4}">
+                  <adec:decorative xmlns:adec="http://schemas.microsoft.com/office/drawing/2017/decorative" val="1"/>
+                </a:ext>
+              </a:extLst>
+            </p:cNvPr>
+            <p:cNvSpPr/>
+            <p:nvPr>
+              <p:extLst>
+                <p:ext uri="{386F3935-93C4-4BCD-93E2-E3B085C9AB24}">
+                  <p16:designElem xmlns:p16="http://schemas.microsoft.com/office/powerpoint/2015/main" val="1"/>
+                </p:ext>
+              </p:extLst>
+            </p:nvPr>
+          </p:nvSpPr>
+          <p:spPr bwMode="auto">
+            <a:xfrm>
+              <a:off x="1001713" y="0"/>
+              <a:ext cx="3244850" cy="6843713"/>
+            </a:xfrm>
+            <a:custGeom>
+              <a:avLst/>
+              <a:gdLst/>
+              <a:ahLst/>
+              <a:cxnLst/>
+              <a:rect l="0" t="0" r="r" b="b"/>
+              <a:pathLst>
+                <a:path w="683" h="1440">
+                  <a:moveTo>
+                    <a:pt x="683" y="0"/>
+                  </a:moveTo>
+                  <a:cubicBezTo>
+                    <a:pt x="258" y="256"/>
+                    <a:pt x="0" y="1041"/>
+                    <a:pt x="355" y="1440"/>
+                  </a:cubicBezTo>
+                </a:path>
+              </a:pathLst>
+            </a:custGeom>
+            <a:noFill/>
+            <a:ln w="9525" cap="flat">
+              <a:solidFill>
+                <a:schemeClr val="tx1">
+                  <a:alpha val="10000"/>
+                </a:schemeClr>
+              </a:solidFill>
+              <a:prstDash val="solid"/>
+              <a:miter lim="800000"/>
+              <a:headEnd/>
+              <a:tailEnd/>
+            </a:ln>
+            <a:extLst>
+              <a:ext uri="{909E8E84-426E-40DD-AFC4-6F175D3DCCD1}">
+                <a14:hiddenFill xmlns:a14="http://schemas.microsoft.com/office/drawing/2010/main">
+                  <a:solidFill>
+                    <a:srgbClr val="FFFFFF"/>
+                  </a:solidFill>
+                </a14:hiddenFill>
+              </a:ext>
+            </a:extLst>
+          </p:spPr>
+        </p:sp>
+        <p:sp>
+          <p:nvSpPr>
+            <p:cNvPr id="19" name="Freeform 15">
+              <a:extLst>
+                <a:ext uri="{FF2B5EF4-FFF2-40B4-BE49-F238E27FC236}">
+                  <a16:creationId xmlns:a16="http://schemas.microsoft.com/office/drawing/2014/main" id="{C6A49E1B-06B5-467F-97A5-EE77945A7E2E}"/>
+                </a:ext>
+                <a:ext uri="{C183D7F6-B498-43B3-948B-1728B52AA6E4}">
+                  <adec:decorative xmlns:adec="http://schemas.microsoft.com/office/drawing/2017/decorative" val="1"/>
+                </a:ext>
+              </a:extLst>
+            </p:cNvPr>
+            <p:cNvSpPr/>
+            <p:nvPr>
+              <p:extLst>
+                <p:ext uri="{386F3935-93C4-4BCD-93E2-E3B085C9AB24}">
+                  <p16:designElem xmlns:p16="http://schemas.microsoft.com/office/powerpoint/2015/main" val="1"/>
+                </p:ext>
+              </p:extLst>
+            </p:nvPr>
+          </p:nvSpPr>
+          <p:spPr bwMode="auto">
+            <a:xfrm>
+              <a:off x="10802938" y="5518150"/>
+              <a:ext cx="1363663" cy="1325563"/>
+            </a:xfrm>
+            <a:custGeom>
+              <a:avLst/>
+              <a:gdLst/>
+              <a:ahLst/>
+              <a:cxnLst/>
+              <a:rect l="0" t="0" r="r" b="b"/>
+              <a:pathLst>
+                <a:path w="287" h="279">
+                  <a:moveTo>
+                    <a:pt x="0" y="279"/>
+                  </a:moveTo>
+                  <a:cubicBezTo>
+                    <a:pt x="101" y="193"/>
+                    <a:pt x="198" y="100"/>
+                    <a:pt x="287" y="0"/>
+                  </a:cubicBezTo>
+                </a:path>
+              </a:pathLst>
+            </a:custGeom>
+            <a:noFill/>
+            <a:ln w="9525" cap="flat">
+              <a:solidFill>
+                <a:schemeClr val="tx1">
+                  <a:alpha val="10000"/>
+                </a:schemeClr>
+              </a:solidFill>
+              <a:prstDash val="solid"/>
+              <a:miter lim="800000"/>
+              <a:headEnd/>
+              <a:tailEnd/>
+            </a:ln>
+            <a:extLst>
+              <a:ext uri="{909E8E84-426E-40DD-AFC4-6F175D3DCCD1}">
+                <a14:hiddenFill xmlns:a14="http://schemas.microsoft.com/office/drawing/2010/main">
+                  <a:solidFill>
+                    <a:srgbClr val="FFFFFF"/>
+                  </a:solidFill>
+                </a14:hiddenFill>
+              </a:ext>
+            </a:extLst>
+          </p:spPr>
+        </p:sp>
+        <p:sp>
+          <p:nvSpPr>
+            <p:cNvPr id="20" name="Freeform 16">
+              <a:extLst>
+                <a:ext uri="{FF2B5EF4-FFF2-40B4-BE49-F238E27FC236}">
+                  <a16:creationId xmlns:a16="http://schemas.microsoft.com/office/drawing/2014/main" id="{C67D60A3-4CE7-453B-97D1-08DD83271B20}"/>
+                </a:ext>
+                <a:ext uri="{C183D7F6-B498-43B3-948B-1728B52AA6E4}">
+                  <adec:decorative xmlns:adec="http://schemas.microsoft.com/office/drawing/2017/decorative" val="1"/>
+                </a:ext>
+              </a:extLst>
+            </p:cNvPr>
+            <p:cNvSpPr/>
+            <p:nvPr>
+              <p:extLst>
+                <p:ext uri="{386F3935-93C4-4BCD-93E2-E3B085C9AB24}">
+                  <p16:designElem xmlns:p16="http://schemas.microsoft.com/office/powerpoint/2015/main" val="1"/>
+                </p:ext>
+              </p:extLst>
+            </p:nvPr>
+          </p:nvSpPr>
+          <p:spPr bwMode="auto">
+            <a:xfrm>
+              <a:off x="889000" y="0"/>
+              <a:ext cx="3230563" cy="6843713"/>
+            </a:xfrm>
+            <a:custGeom>
+              <a:avLst/>
+              <a:gdLst/>
+              <a:ahLst/>
+              <a:cxnLst/>
+              <a:rect l="0" t="0" r="r" b="b"/>
+              <a:pathLst>
+                <a:path w="680" h="1440">
+                  <a:moveTo>
+                    <a:pt x="680" y="0"/>
+                  </a:moveTo>
+                  <a:cubicBezTo>
+                    <a:pt x="257" y="265"/>
+                    <a:pt x="0" y="1026"/>
+                    <a:pt x="337" y="1440"/>
+                  </a:cubicBezTo>
+                </a:path>
+              </a:pathLst>
+            </a:custGeom>
+            <a:noFill/>
+            <a:ln w="9525" cap="flat">
+              <a:solidFill>
+                <a:schemeClr val="tx1">
+                  <a:alpha val="10000"/>
+                </a:schemeClr>
+              </a:solidFill>
+              <a:prstDash val="solid"/>
+              <a:miter lim="800000"/>
+              <a:headEnd/>
+              <a:tailEnd/>
+            </a:ln>
+            <a:extLst>
+              <a:ext uri="{909E8E84-426E-40DD-AFC4-6F175D3DCCD1}">
+                <a14:hiddenFill xmlns:a14="http://schemas.microsoft.com/office/drawing/2010/main">
+                  <a:solidFill>
+                    <a:srgbClr val="FFFFFF"/>
+                  </a:solidFill>
+                </a14:hiddenFill>
+              </a:ext>
+            </a:extLst>
+          </p:spPr>
+        </p:sp>
+        <p:sp>
+          <p:nvSpPr>
+            <p:cNvPr id="21" name="Freeform 17">
+              <a:extLst>
+                <a:ext uri="{FF2B5EF4-FFF2-40B4-BE49-F238E27FC236}">
+                  <a16:creationId xmlns:a16="http://schemas.microsoft.com/office/drawing/2014/main" id="{1333C1DC-BC77-4584-B472-AE19C4A09F65}"/>
+                </a:ext>
+                <a:ext uri="{C183D7F6-B498-43B3-948B-1728B52AA6E4}">
+                  <adec:decorative xmlns:adec="http://schemas.microsoft.com/office/drawing/2017/decorative" val="1"/>
+                </a:ext>
+              </a:extLst>
+            </p:cNvPr>
+            <p:cNvSpPr/>
+            <p:nvPr>
+              <p:extLst>
+                <p:ext uri="{386F3935-93C4-4BCD-93E2-E3B085C9AB24}">
+                  <p16:designElem xmlns:p16="http://schemas.microsoft.com/office/powerpoint/2015/main" val="1"/>
+                </p:ext>
+              </p:extLst>
+            </p:nvPr>
+          </p:nvSpPr>
+          <p:spPr bwMode="auto">
+            <a:xfrm>
+              <a:off x="10979150" y="5694363"/>
+              <a:ext cx="1187450" cy="1149350"/>
+            </a:xfrm>
+            <a:custGeom>
+              <a:avLst/>
+              <a:gdLst/>
+              <a:ahLst/>
+              <a:cxnLst/>
+              <a:rect l="0" t="0" r="r" b="b"/>
+              <a:pathLst>
+                <a:path w="250" h="242">
+                  <a:moveTo>
+                    <a:pt x="0" y="242"/>
+                  </a:moveTo>
+                  <a:cubicBezTo>
+                    <a:pt x="88" y="166"/>
+                    <a:pt x="172" y="85"/>
+                    <a:pt x="250" y="0"/>
+                  </a:cubicBezTo>
+                </a:path>
+              </a:pathLst>
+            </a:custGeom>
+            <a:noFill/>
+            <a:ln w="9525" cap="flat">
+              <a:solidFill>
+                <a:schemeClr val="tx1">
+                  <a:alpha val="10000"/>
+                </a:schemeClr>
+              </a:solidFill>
+              <a:prstDash val="solid"/>
+              <a:miter lim="800000"/>
+              <a:headEnd/>
+              <a:tailEnd/>
+            </a:ln>
+            <a:extLst>
+              <a:ext uri="{909E8E84-426E-40DD-AFC4-6F175D3DCCD1}">
+                <a14:hiddenFill xmlns:a14="http://schemas.microsoft.com/office/drawing/2010/main">
+                  <a:solidFill>
+                    <a:srgbClr val="FFFFFF"/>
+                  </a:solidFill>
+                </a14:hiddenFill>
+              </a:ext>
+            </a:extLst>
+          </p:spPr>
+        </p:sp>
+        <p:sp>
+          <p:nvSpPr>
+            <p:cNvPr id="22" name="Freeform 18">
+              <a:extLst>
+                <a:ext uri="{FF2B5EF4-FFF2-40B4-BE49-F238E27FC236}">
+                  <a16:creationId xmlns:a16="http://schemas.microsoft.com/office/drawing/2014/main" id="{30CC34F2-2D02-4DC8-8951-5E29E08662E9}"/>
+                </a:ext>
+                <a:ext uri="{C183D7F6-B498-43B3-948B-1728B52AA6E4}">
+                  <adec:decorative xmlns:adec="http://schemas.microsoft.com/office/drawing/2017/decorative" val="1"/>
+                </a:ext>
+              </a:extLst>
+            </p:cNvPr>
+            <p:cNvSpPr/>
+            <p:nvPr>
+              <p:extLst>
+                <p:ext uri="{386F3935-93C4-4BCD-93E2-E3B085C9AB24}">
+                  <p16:designElem xmlns:p16="http://schemas.microsoft.com/office/powerpoint/2015/main" val="1"/>
+                </p:ext>
+              </p:extLst>
+            </p:nvPr>
+          </p:nvSpPr>
+          <p:spPr bwMode="auto">
+            <a:xfrm>
+              <a:off x="484188" y="0"/>
+              <a:ext cx="3421063" cy="6843713"/>
+            </a:xfrm>
+            <a:custGeom>
+              <a:avLst/>
+              <a:gdLst/>
+              <a:ahLst/>
+              <a:cxnLst/>
+              <a:rect l="0" t="0" r="r" b="b"/>
+              <a:pathLst>
+                <a:path w="720" h="1440">
+                  <a:moveTo>
+                    <a:pt x="720" y="0"/>
+                  </a:moveTo>
+                  <a:cubicBezTo>
+                    <a:pt x="316" y="282"/>
+                    <a:pt x="0" y="1018"/>
+                    <a:pt x="362" y="1440"/>
+                  </a:cubicBezTo>
+                </a:path>
+              </a:pathLst>
+            </a:custGeom>
+            <a:noFill/>
+            <a:ln w="9525" cap="flat">
+              <a:solidFill>
+                <a:schemeClr val="tx1">
+                  <a:alpha val="10000"/>
+                </a:schemeClr>
+              </a:solidFill>
+              <a:prstDash val="solid"/>
+              <a:miter lim="800000"/>
+              <a:headEnd/>
+              <a:tailEnd/>
+            </a:ln>
+            <a:extLst>
+              <a:ext uri="{909E8E84-426E-40DD-AFC4-6F175D3DCCD1}">
+                <a14:hiddenFill xmlns:a14="http://schemas.microsoft.com/office/drawing/2010/main">
+                  <a:solidFill>
+                    <a:srgbClr val="FFFFFF"/>
+                  </a:solidFill>
+                </a14:hiddenFill>
+              </a:ext>
+            </a:extLst>
+          </p:spPr>
+        </p:sp>
+        <p:sp>
+          <p:nvSpPr>
+            <p:cNvPr id="23" name="Freeform 19">
+              <a:extLst>
+                <a:ext uri="{FF2B5EF4-FFF2-40B4-BE49-F238E27FC236}">
+                  <a16:creationId xmlns:a16="http://schemas.microsoft.com/office/drawing/2014/main" id="{C77A3E1B-1C72-4437-A8A1-FC659C9E8572}"/>
+                </a:ext>
+                <a:ext uri="{C183D7F6-B498-43B3-948B-1728B52AA6E4}">
+                  <adec:decorative xmlns:adec="http://schemas.microsoft.com/office/drawing/2017/decorative" val="1"/>
+                </a:ext>
+              </a:extLst>
+            </p:cNvPr>
+            <p:cNvSpPr/>
+            <p:nvPr>
+              <p:extLst>
+                <p:ext uri="{386F3935-93C4-4BCD-93E2-E3B085C9AB24}">
+                  <p16:designElem xmlns:p16="http://schemas.microsoft.com/office/powerpoint/2015/main" val="1"/>
+                </p:ext>
+              </p:extLst>
+            </p:nvPr>
+          </p:nvSpPr>
+          <p:spPr bwMode="auto">
+            <a:xfrm>
+              <a:off x="11287125" y="6049963"/>
+              <a:ext cx="879475" cy="793750"/>
+            </a:xfrm>
+            <a:custGeom>
+              <a:avLst/>
+              <a:gdLst/>
+              <a:ahLst/>
+              <a:cxnLst/>
+              <a:rect l="0" t="0" r="r" b="b"/>
+              <a:pathLst>
+                <a:path w="185" h="167">
+                  <a:moveTo>
+                    <a:pt x="0" y="167"/>
+                  </a:moveTo>
+                  <a:cubicBezTo>
+                    <a:pt x="63" y="114"/>
+                    <a:pt x="125" y="58"/>
+                    <a:pt x="185" y="0"/>
+                  </a:cubicBezTo>
+                </a:path>
+              </a:pathLst>
+            </a:custGeom>
+            <a:noFill/>
+            <a:ln w="9525" cap="flat">
+              <a:solidFill>
+                <a:schemeClr val="tx1">
+                  <a:alpha val="10000"/>
+                </a:schemeClr>
+              </a:solidFill>
+              <a:prstDash val="solid"/>
+              <a:miter lim="800000"/>
+              <a:headEnd/>
+              <a:tailEnd/>
+            </a:ln>
+            <a:extLst>
+              <a:ext uri="{909E8E84-426E-40DD-AFC4-6F175D3DCCD1}">
+                <a14:hiddenFill xmlns:a14="http://schemas.microsoft.com/office/drawing/2010/main">
+                  <a:solidFill>
+                    <a:srgbClr val="FFFFFF"/>
+                  </a:solidFill>
+                </a14:hiddenFill>
+              </a:ext>
+            </a:extLst>
+          </p:spPr>
+        </p:sp>
+        <p:sp>
+          <p:nvSpPr>
+            <p:cNvPr id="24" name="Freeform 20">
+              <a:extLst>
+                <a:ext uri="{FF2B5EF4-FFF2-40B4-BE49-F238E27FC236}">
+                  <a16:creationId xmlns:a16="http://schemas.microsoft.com/office/drawing/2014/main" id="{4EE3E561-115A-4994-832B-FB79E44989A0}"/>
+                </a:ext>
+                <a:ext uri="{C183D7F6-B498-43B3-948B-1728B52AA6E4}">
+                  <adec:decorative xmlns:adec="http://schemas.microsoft.com/office/drawing/2017/decorative" val="1"/>
+                </a:ext>
+              </a:extLst>
+            </p:cNvPr>
+            <p:cNvSpPr/>
+            <p:nvPr>
+              <p:extLst>
+                <p:ext uri="{386F3935-93C4-4BCD-93E2-E3B085C9AB24}">
+                  <p16:designElem xmlns:p16="http://schemas.microsoft.com/office/powerpoint/2015/main" val="1"/>
+                </p:ext>
+              </p:extLst>
+            </p:nvPr>
+          </p:nvSpPr>
+          <p:spPr bwMode="auto">
+            <a:xfrm>
+              <a:off x="598488" y="0"/>
+              <a:ext cx="2717800" cy="6843713"/>
+            </a:xfrm>
+            <a:custGeom>
+              <a:avLst/>
+              <a:gdLst/>
+              <a:ahLst/>
+              <a:cxnLst/>
+              <a:rect l="0" t="0" r="r" b="b"/>
+              <a:pathLst>
+                <a:path w="572" h="1440">
+                  <a:moveTo>
+                    <a:pt x="572" y="0"/>
+                  </a:moveTo>
+                  <a:cubicBezTo>
+                    <a:pt x="213" y="320"/>
+                    <a:pt x="0" y="979"/>
+                    <a:pt x="164" y="1440"/>
+                  </a:cubicBezTo>
+                </a:path>
+              </a:pathLst>
+            </a:custGeom>
+            <a:noFill/>
+            <a:ln w="12700" cap="flat">
+              <a:solidFill>
+                <a:schemeClr val="tx1">
+                  <a:alpha val="10000"/>
+                </a:schemeClr>
+              </a:solidFill>
+              <a:prstDash val="dashDot"/>
+              <a:miter lim="800000"/>
+              <a:headEnd/>
+              <a:tailEnd/>
+            </a:ln>
+            <a:extLst>
+              <a:ext uri="{909E8E84-426E-40DD-AFC4-6F175D3DCCD1}">
+                <a14:hiddenFill xmlns:a14="http://schemas.microsoft.com/office/drawing/2010/main">
+                  <a:solidFill>
+                    <a:srgbClr val="FFFFFF"/>
+                  </a:solidFill>
+                </a14:hiddenFill>
+              </a:ext>
+            </a:extLst>
+          </p:spPr>
+        </p:sp>
+        <p:sp>
+          <p:nvSpPr>
+            <p:cNvPr id="25" name="Freeform 21">
+              <a:extLst>
+                <a:ext uri="{FF2B5EF4-FFF2-40B4-BE49-F238E27FC236}">
+                  <a16:creationId xmlns:a16="http://schemas.microsoft.com/office/drawing/2014/main" id="{D389D14E-E715-4844-8E58-ED5A66AB431F}"/>
+                </a:ext>
+                <a:ext uri="{C183D7F6-B498-43B3-948B-1728B52AA6E4}">
+                  <adec:decorative xmlns:adec="http://schemas.microsoft.com/office/drawing/2017/decorative" val="1"/>
+                </a:ext>
+              </a:extLst>
+            </p:cNvPr>
+            <p:cNvSpPr/>
+            <p:nvPr>
+              <p:extLst>
+                <p:ext uri="{386F3935-93C4-4BCD-93E2-E3B085C9AB24}">
+                  <p16:designElem xmlns:p16="http://schemas.microsoft.com/office/powerpoint/2015/main" val="1"/>
+                </p:ext>
+              </p:extLst>
+            </p:nvPr>
+          </p:nvSpPr>
+          <p:spPr bwMode="auto">
+            <a:xfrm>
+              <a:off x="261938" y="0"/>
+              <a:ext cx="2944813" cy="6843713"/>
+            </a:xfrm>
+            <a:custGeom>
+              <a:avLst/>
+              <a:gdLst/>
+              <a:ahLst/>
+              <a:cxnLst/>
+              <a:rect l="0" t="0" r="r" b="b"/>
+              <a:pathLst>
+                <a:path w="620" h="1440">
+                  <a:moveTo>
+                    <a:pt x="620" y="0"/>
+                  </a:moveTo>
+                  <a:cubicBezTo>
+                    <a:pt x="248" y="325"/>
+                    <a:pt x="0" y="960"/>
+                    <a:pt x="186" y="1440"/>
+                  </a:cubicBezTo>
+                </a:path>
+              </a:pathLst>
+            </a:custGeom>
+            <a:noFill/>
+            <a:ln w="9525" cap="flat">
+              <a:solidFill>
+                <a:schemeClr val="tx1">
+                  <a:alpha val="10000"/>
+                </a:schemeClr>
+              </a:solidFill>
+              <a:prstDash val="lgDash"/>
+              <a:miter lim="800000"/>
+              <a:headEnd/>
+              <a:tailEnd/>
+            </a:ln>
+            <a:extLst>
+              <a:ext uri="{909E8E84-426E-40DD-AFC4-6F175D3DCCD1}">
+                <a14:hiddenFill xmlns:a14="http://schemas.microsoft.com/office/drawing/2010/main">
+                  <a:solidFill>
+                    <a:srgbClr val="FFFFFF"/>
+                  </a:solidFill>
+                </a14:hiddenFill>
+              </a:ext>
+            </a:extLst>
+          </p:spPr>
+        </p:sp>
+        <p:sp>
+          <p:nvSpPr>
+            <p:cNvPr id="26" name="Freeform 22">
+              <a:extLst>
+                <a:ext uri="{FF2B5EF4-FFF2-40B4-BE49-F238E27FC236}">
+                  <a16:creationId xmlns:a16="http://schemas.microsoft.com/office/drawing/2014/main" id="{4208B28A-82FB-48D4-9087-806354C858A9}"/>
+                </a:ext>
+                <a:ext uri="{C183D7F6-B498-43B3-948B-1728B52AA6E4}">
+                  <adec:decorative xmlns:adec="http://schemas.microsoft.com/office/drawing/2017/decorative" val="1"/>
+                </a:ext>
+              </a:extLst>
+            </p:cNvPr>
+            <p:cNvSpPr/>
+            <p:nvPr>
+              <p:extLst>
+                <p:ext uri="{386F3935-93C4-4BCD-93E2-E3B085C9AB24}">
+                  <p16:designElem xmlns:p16="http://schemas.microsoft.com/office/powerpoint/2015/main" val="1"/>
+                </p:ext>
+              </p:extLst>
+            </p:nvPr>
+          </p:nvSpPr>
+          <p:spPr bwMode="auto">
+            <a:xfrm>
+              <a:off x="-417513" y="0"/>
+              <a:ext cx="2403475" cy="6843713"/>
+            </a:xfrm>
+            <a:custGeom>
+              <a:avLst/>
+              <a:gdLst/>
+              <a:ahLst/>
+              <a:cxnLst/>
+              <a:rect l="0" t="0" r="r" b="b"/>
+              <a:pathLst>
+                <a:path w="506" h="1440">
+                  <a:moveTo>
+                    <a:pt x="506" y="0"/>
+                  </a:moveTo>
+                  <a:cubicBezTo>
+                    <a:pt x="109" y="356"/>
+                    <a:pt x="0" y="943"/>
+                    <a:pt x="171" y="1440"/>
+                  </a:cubicBezTo>
+                </a:path>
+              </a:pathLst>
+            </a:custGeom>
+            <a:noFill/>
+            <a:ln w="9525" cap="flat">
+              <a:solidFill>
+                <a:schemeClr val="tx1">
+                  <a:alpha val="10000"/>
+                </a:schemeClr>
+              </a:solidFill>
+              <a:prstDash val="solid"/>
+              <a:miter lim="800000"/>
+              <a:headEnd/>
+              <a:tailEnd/>
+            </a:ln>
+            <a:extLst>
+              <a:ext uri="{909E8E84-426E-40DD-AFC4-6F175D3DCCD1}">
+                <a14:hiddenFill xmlns:a14="http://schemas.microsoft.com/office/drawing/2010/main">
+                  <a:solidFill>
+                    <a:srgbClr val="FFFFFF"/>
+                  </a:solidFill>
+                </a14:hiddenFill>
+              </a:ext>
+            </a:extLst>
+          </p:spPr>
+        </p:sp>
+        <p:sp>
+          <p:nvSpPr>
+            <p:cNvPr id="27" name="Freeform 23">
+              <a:extLst>
+                <a:ext uri="{FF2B5EF4-FFF2-40B4-BE49-F238E27FC236}">
+                  <a16:creationId xmlns:a16="http://schemas.microsoft.com/office/drawing/2014/main" id="{1330334B-C28B-49CB-8643-6EF94623063F}"/>
+                </a:ext>
+                <a:ext uri="{C183D7F6-B498-43B3-948B-1728B52AA6E4}">
+                  <adec:decorative xmlns:adec="http://schemas.microsoft.com/office/drawing/2017/decorative" val="1"/>
+                </a:ext>
+              </a:extLst>
+            </p:cNvPr>
+            <p:cNvSpPr/>
+            <p:nvPr>
+              <p:extLst>
+                <p:ext uri="{386F3935-93C4-4BCD-93E2-E3B085C9AB24}">
+                  <p16:designElem xmlns:p16="http://schemas.microsoft.com/office/powerpoint/2015/main" val="1"/>
+                </p:ext>
+              </p:extLst>
+            </p:nvPr>
+          </p:nvSpPr>
+          <p:spPr bwMode="auto">
+            <a:xfrm>
+              <a:off x="14288" y="9525"/>
+              <a:ext cx="1771650" cy="3198813"/>
+            </a:xfrm>
+            <a:custGeom>
+              <a:avLst/>
+              <a:gdLst/>
+              <a:ahLst/>
+              <a:cxnLst/>
+              <a:rect l="0" t="0" r="r" b="b"/>
+              <a:pathLst>
+                <a:path w="373" h="673">
+                  <a:moveTo>
+                    <a:pt x="373" y="0"/>
+                  </a:moveTo>
+                  <a:cubicBezTo>
+                    <a:pt x="175" y="183"/>
+                    <a:pt x="51" y="409"/>
+                    <a:pt x="0" y="673"/>
+                  </a:cubicBezTo>
+                </a:path>
+              </a:pathLst>
+            </a:custGeom>
+            <a:noFill/>
+            <a:ln w="9525" cap="flat">
+              <a:solidFill>
+                <a:schemeClr val="tx1">
+                  <a:alpha val="10000"/>
+                </a:schemeClr>
+              </a:solidFill>
+              <a:prstDash val="solid"/>
+              <a:miter lim="800000"/>
+              <a:headEnd/>
+              <a:tailEnd/>
+            </a:ln>
+            <a:extLst>
+              <a:ext uri="{909E8E84-426E-40DD-AFC4-6F175D3DCCD1}">
+                <a14:hiddenFill xmlns:a14="http://schemas.microsoft.com/office/drawing/2010/main">
+                  <a:solidFill>
+                    <a:srgbClr val="FFFFFF"/>
+                  </a:solidFill>
+                </a14:hiddenFill>
+              </a:ext>
+            </a:extLst>
+          </p:spPr>
+        </p:sp>
+        <p:sp>
+          <p:nvSpPr>
+            <p:cNvPr id="28" name="Freeform 24">
+              <a:extLst>
+                <a:ext uri="{FF2B5EF4-FFF2-40B4-BE49-F238E27FC236}">
+                  <a16:creationId xmlns:a16="http://schemas.microsoft.com/office/drawing/2014/main" id="{F221AA9B-1DD9-4FC4-947F-90C0582F7113}"/>
+                </a:ext>
+                <a:ext uri="{C183D7F6-B498-43B3-948B-1728B52AA6E4}">
+                  <adec:decorative xmlns:adec="http://schemas.microsoft.com/office/drawing/2017/decorative" val="1"/>
+                </a:ext>
+              </a:extLst>
+            </p:cNvPr>
+            <p:cNvSpPr/>
+            <p:nvPr>
+              <p:extLst>
+                <p:ext uri="{386F3935-93C4-4BCD-93E2-E3B085C9AB24}">
+                  <p16:designElem xmlns:p16="http://schemas.microsoft.com/office/powerpoint/2015/main" val="1"/>
+                </p:ext>
+              </p:extLst>
+            </p:nvPr>
+          </p:nvSpPr>
+          <p:spPr bwMode="auto">
+            <a:xfrm>
+              <a:off x="4763" y="6016625"/>
+              <a:ext cx="214313" cy="827088"/>
+            </a:xfrm>
+            <a:custGeom>
+              <a:avLst/>
+              <a:gdLst/>
+              <a:ahLst/>
+              <a:cxnLst/>
+              <a:rect l="0" t="0" r="r" b="b"/>
+              <a:pathLst>
+                <a:path w="45" h="174">
+                  <a:moveTo>
+                    <a:pt x="0" y="0"/>
+                  </a:moveTo>
+                  <a:cubicBezTo>
+                    <a:pt x="11" y="59"/>
+                    <a:pt x="26" y="118"/>
+                    <a:pt x="45" y="174"/>
+                  </a:cubicBezTo>
+                </a:path>
+              </a:pathLst>
+            </a:custGeom>
+            <a:noFill/>
+            <a:ln w="9525" cap="flat">
+              <a:solidFill>
+                <a:schemeClr val="tx1">
+                  <a:alpha val="10000"/>
+                </a:schemeClr>
+              </a:solidFill>
+              <a:prstDash val="solid"/>
+              <a:miter lim="800000"/>
+              <a:headEnd/>
+              <a:tailEnd/>
+            </a:ln>
+            <a:extLst>
+              <a:ext uri="{909E8E84-426E-40DD-AFC4-6F175D3DCCD1}">
+                <a14:hiddenFill xmlns:a14="http://schemas.microsoft.com/office/drawing/2010/main">
+                  <a:solidFill>
+                    <a:srgbClr val="FFFFFF"/>
+                  </a:solidFill>
+                </a14:hiddenFill>
+              </a:ext>
+            </a:extLst>
+          </p:spPr>
+        </p:sp>
+        <p:sp>
+          <p:nvSpPr>
+            <p:cNvPr id="29" name="Freeform 25">
+              <a:extLst>
+                <a:ext uri="{FF2B5EF4-FFF2-40B4-BE49-F238E27FC236}">
+                  <a16:creationId xmlns:a16="http://schemas.microsoft.com/office/drawing/2014/main" id="{9214B596-B3CC-43CB-A72A-2ADABBE5B9DF}"/>
+                </a:ext>
+                <a:ext uri="{C183D7F6-B498-43B3-948B-1728B52AA6E4}">
+                  <adec:decorative xmlns:adec="http://schemas.microsoft.com/office/drawing/2017/decorative" val="1"/>
+                </a:ext>
+              </a:extLst>
+            </p:cNvPr>
+            <p:cNvSpPr/>
+            <p:nvPr>
+              <p:extLst>
+                <p:ext uri="{386F3935-93C4-4BCD-93E2-E3B085C9AB24}">
+                  <p16:designElem xmlns:p16="http://schemas.microsoft.com/office/powerpoint/2015/main" val="1"/>
+                </p:ext>
+              </p:extLst>
+            </p:nvPr>
+          </p:nvSpPr>
+          <p:spPr bwMode="auto">
+            <a:xfrm>
+              <a:off x="14288" y="0"/>
+              <a:ext cx="1562100" cy="2228850"/>
+            </a:xfrm>
+            <a:custGeom>
+              <a:avLst/>
+              <a:gdLst/>
+              <a:ahLst/>
+              <a:cxnLst/>
+              <a:rect l="0" t="0" r="r" b="b"/>
+              <a:pathLst>
+                <a:path w="329" h="469">
+                  <a:moveTo>
+                    <a:pt x="329" y="0"/>
+                  </a:moveTo>
+                  <a:cubicBezTo>
+                    <a:pt x="189" y="133"/>
+                    <a:pt x="69" y="288"/>
+                    <a:pt x="0" y="469"/>
+                  </a:cubicBezTo>
+                </a:path>
+              </a:pathLst>
+            </a:custGeom>
+            <a:noFill/>
+            <a:ln w="9525" cap="flat">
+              <a:solidFill>
+                <a:schemeClr val="tx1">
+                  <a:alpha val="10000"/>
+                </a:schemeClr>
+              </a:solidFill>
+              <a:prstDash val="solid"/>
+              <a:miter lim="800000"/>
+              <a:headEnd/>
+              <a:tailEnd/>
+            </a:ln>
+            <a:extLst>
+              <a:ext uri="{909E8E84-426E-40DD-AFC4-6F175D3DCCD1}">
+                <a14:hiddenFill xmlns:a14="http://schemas.microsoft.com/office/drawing/2010/main">
+                  <a:solidFill>
+                    <a:srgbClr val="FFFFFF"/>
+                  </a:solidFill>
+                </a14:hiddenFill>
+              </a:ext>
+            </a:extLst>
+          </p:spPr>
+        </p:sp>
+      </p:grpSp>
+      <p:sp>
+        <p:nvSpPr>
+          <p:cNvPr id="31" name="Isosceles Triangle 30">
+            <a:extLst>
+              <a:ext uri="{FF2B5EF4-FFF2-40B4-BE49-F238E27FC236}">
+                <a16:creationId xmlns:a16="http://schemas.microsoft.com/office/drawing/2014/main" id="{64F9BF67-14D7-4F9D-A8E4-4BB8DE3512EE}"/>
+              </a:ext>
+              <a:ext uri="{C183D7F6-B498-43B3-948B-1728B52AA6E4}">
+                <adec:decorative xmlns:adec="http://schemas.microsoft.com/office/drawing/2017/decorative" val="1"/>
+              </a:ext>
+            </a:extLst>
+          </p:cNvPr>
+          <p:cNvSpPr>
+            <a:spLocks noGrp="1" noRot="1" noChangeAspect="1" noMove="1" noResize="1" noEditPoints="1" noAdjustHandles="1" noChangeArrowheads="1" noChangeShapeType="1" noTextEdit="1"/>
+          </p:cNvSpPr>
+          <p:nvPr>
+            <p:extLst>
+              <p:ext uri="{386F3935-93C4-4BCD-93E2-E3B085C9AB24}">
+                <p16:designElem xmlns:p16="http://schemas.microsoft.com/office/powerpoint/2015/main" val="1"/>
+              </p:ext>
+            </p:extLst>
+          </p:nvPr>
+        </p:nvSpPr>
+        <p:spPr>
+          <a:xfrm rot="10800000">
+            <a:off x="575225" y="1331697"/>
+            <a:ext cx="193249" cy="166594"/>
+          </a:xfrm>
+          <a:prstGeom prst="triangle">
+            <a:avLst/>
+          </a:prstGeom>
+          <a:solidFill>
+            <a:schemeClr val="tx1"/>
+          </a:solidFill>
+          <a:ln>
+            <a:noFill/>
+          </a:ln>
+        </p:spPr>
+        <p:style>
+          <a:lnRef idx="2">
+            <a:schemeClr val="accent1">
+              <a:shade val="50000"/>
+            </a:schemeClr>
+          </a:lnRef>
+          <a:fillRef idx="1">
+            <a:schemeClr val="accent1"/>
+          </a:fillRef>
+          <a:effectRef idx="0">
+            <a:schemeClr val="accent1"/>
+          </a:effectRef>
+          <a:fontRef idx="minor">
+            <a:schemeClr val="lt1"/>
+          </a:fontRef>
+        </p:style>
+        <p:txBody>
+          <a:bodyPr/>
+          <a:lstStyle/>
+          <a:p>
+            <a:endParaRPr lang="en-US" sz="1600" dirty="0"/>
+          </a:p>
+        </p:txBody>
+      </p:sp>
+    </p:spTree>
+    <p:extLst>
+      <p:ext uri="{BB962C8B-B14F-4D97-AF65-F5344CB8AC3E}">
+        <p14:creationId xmlns:p14="http://schemas.microsoft.com/office/powerpoint/2010/main" val="885483345"/>
+      </p:ext>
+    </p:extLst>
+  </p:cSld>
+  <p:clrMapOvr>
+    <a:overrideClrMapping bg1="dk1" tx1="lt1" bg2="dk2" tx2="lt2" accent1="accent1" accent2="accent2" accent3="accent3" accent4="accent4" accent5="accent5" accent6="accent6" hlink="hlink" folHlink="folHlink"/>
+  </p:clrMapOvr>
+</p:sld>
+</file>
+
+<file path=ppt/slides/slide20.xml><?xml version="1.0" encoding="utf-8"?>
 <p:sld xmlns:a="http://schemas.openxmlformats.org/drawingml/2006/main" xmlns:r="http://schemas.openxmlformats.org/officeDocument/2006/relationships" xmlns:p="http://schemas.openxmlformats.org/presentationml/2006/main">
   <p:cSld>
     <p:bg>
@@ -15162,7 +17283,7 @@
 </p:sld>
 </file>
 
-<file path=ppt/slides/slide19.xml><?xml version="1.0" encoding="utf-8"?>
+<file path=ppt/slides/slide21.xml><?xml version="1.0" encoding="utf-8"?>
 <p:sld xmlns:a="http://schemas.openxmlformats.org/drawingml/2006/main" xmlns:r="http://schemas.openxmlformats.org/officeDocument/2006/relationships" xmlns:p="http://schemas.openxmlformats.org/presentationml/2006/main">
   <p:cSld>
     <p:bg>
@@ -15539,191 +17660,7 @@
 </p:sld>
 </file>
 
-<file path=ppt/slides/slide2.xml><?xml version="1.0" encoding="utf-8"?>
-<p:sld xmlns:a="http://schemas.openxmlformats.org/drawingml/2006/main" xmlns:r="http://schemas.openxmlformats.org/officeDocument/2006/relationships" xmlns:p="http://schemas.openxmlformats.org/presentationml/2006/main">
-  <p:cSld>
-    <p:bg>
-      <p:bgPr>
-        <a:solidFill>
-          <a:schemeClr val="bg1"/>
-        </a:solidFill>
-        <a:effectLst/>
-      </p:bgPr>
-    </p:bg>
-    <p:spTree>
-      <p:nvGrpSpPr>
-        <p:cNvPr id="1" name=""/>
-        <p:cNvGrpSpPr/>
-        <p:nvPr/>
-      </p:nvGrpSpPr>
-      <p:grpSpPr>
-        <a:xfrm>
-          <a:off x="0" y="0"/>
-          <a:ext cx="0" cy="0"/>
-          <a:chOff x="0" y="0"/>
-          <a:chExt cx="0" cy="0"/>
-        </a:xfrm>
-      </p:grpSpPr>
-      <p:sp>
-        <p:nvSpPr>
-          <p:cNvPr id="9" name="Rectangle 8">
-            <a:extLst>
-              <a:ext uri="{FF2B5EF4-FFF2-40B4-BE49-F238E27FC236}">
-                <a16:creationId xmlns:a16="http://schemas.microsoft.com/office/drawing/2014/main" id="{3A5B4632-C963-4296-86F0-79AA9EA5AE98}"/>
-              </a:ext>
-              <a:ext uri="{C183D7F6-B498-43B3-948B-1728B52AA6E4}">
-                <adec:decorative xmlns:adec="http://schemas.microsoft.com/office/drawing/2017/decorative" val="1"/>
-              </a:ext>
-            </a:extLst>
-          </p:cNvPr>
-          <p:cNvSpPr>
-            <a:spLocks noGrp="1" noRot="1" noChangeAspect="1" noMove="1" noResize="1" noEditPoints="1" noAdjustHandles="1" noChangeArrowheads="1" noChangeShapeType="1" noTextEdit="1"/>
-          </p:cNvSpPr>
-          <p:nvPr>
-            <p:extLst>
-              <p:ext uri="{386F3935-93C4-4BCD-93E2-E3B085C9AB24}">
-                <p16:designElem xmlns:p16="http://schemas.microsoft.com/office/powerpoint/2015/main" val="1"/>
-              </p:ext>
-            </p:extLst>
-          </p:nvPr>
-        </p:nvSpPr>
-        <p:spPr bwMode="ltGray">
-          <a:xfrm>
-            <a:off x="338328" y="303591"/>
-            <a:ext cx="4335327" cy="5896743"/>
-          </a:xfrm>
-          <a:prstGeom prst="rect">
-            <a:avLst/>
-          </a:prstGeom>
-          <a:solidFill>
-            <a:schemeClr val="tx1">
-              <a:lumMod val="75000"/>
-              <a:lumOff val="25000"/>
-            </a:schemeClr>
-          </a:solidFill>
-          <a:ln w="127000" cap="sq" cmpd="thinThick">
-            <a:solidFill>
-              <a:schemeClr val="tx1">
-                <a:lumMod val="75000"/>
-                <a:lumOff val="25000"/>
-              </a:schemeClr>
-            </a:solidFill>
-          </a:ln>
-        </p:spPr>
-        <p:style>
-          <a:lnRef idx="2">
-            <a:schemeClr val="accent1">
-              <a:shade val="50000"/>
-            </a:schemeClr>
-          </a:lnRef>
-          <a:fillRef idx="1">
-            <a:schemeClr val="accent1"/>
-          </a:fillRef>
-          <a:effectRef idx="0">
-            <a:schemeClr val="accent1"/>
-          </a:effectRef>
-          <a:fontRef idx="minor">
-            <a:schemeClr val="lt1"/>
-          </a:fontRef>
-        </p:style>
-        <p:txBody>
-          <a:bodyPr rtlCol="0" anchor="ctr"/>
-          <a:lstStyle/>
-          <a:p>
-            <a:pPr algn="ctr"/>
-            <a:endParaRPr lang="en-US"/>
-          </a:p>
-        </p:txBody>
-      </p:sp>
-      <p:sp>
-        <p:nvSpPr>
-          <p:cNvPr id="2" name="Title 1">
-            <a:extLst>
-              <a:ext uri="{FF2B5EF4-FFF2-40B4-BE49-F238E27FC236}">
-                <a16:creationId xmlns:a16="http://schemas.microsoft.com/office/drawing/2014/main" id="{912F8F21-1130-BA35-BD3B-3D19F5E20FDC}"/>
-              </a:ext>
-            </a:extLst>
-          </p:cNvPr>
-          <p:cNvSpPr>
-            <a:spLocks noGrp="1"/>
-          </p:cNvSpPr>
-          <p:nvPr>
-            <p:ph type="title"/>
-          </p:nvPr>
-        </p:nvSpPr>
-        <p:spPr>
-          <a:xfrm>
-            <a:off x="594360" y="637125"/>
-            <a:ext cx="3802276" cy="5256371"/>
-          </a:xfrm>
-        </p:spPr>
-        <p:txBody>
-          <a:bodyPr>
-            <a:normAutofit/>
-          </a:bodyPr>
-          <a:lstStyle/>
-          <a:p>
-            <a:r>
-              <a:rPr lang="en-US" sz="4800">
-                <a:solidFill>
-                  <a:schemeClr val="bg1"/>
-                </a:solidFill>
-              </a:rPr>
-              <a:t>Index</a:t>
-            </a:r>
-            <a:endParaRPr lang="en-IE" sz="4800">
-              <a:solidFill>
-                <a:schemeClr val="bg1"/>
-              </a:solidFill>
-            </a:endParaRPr>
-          </a:p>
-        </p:txBody>
-      </p:sp>
-      <p:graphicFrame>
-        <p:nvGraphicFramePr>
-          <p:cNvPr id="7" name="Content Placeholder 2">
-            <a:extLst>
-              <a:ext uri="{FF2B5EF4-FFF2-40B4-BE49-F238E27FC236}">
-                <a16:creationId xmlns:a16="http://schemas.microsoft.com/office/drawing/2014/main" id="{761A55B0-D2BF-055C-C918-EA92BFED5B8B}"/>
-              </a:ext>
-            </a:extLst>
-          </p:cNvPr>
-          <p:cNvGraphicFramePr>
-            <a:graphicFrameLocks noGrp="1"/>
-          </p:cNvGraphicFramePr>
-          <p:nvPr>
-            <p:ph idx="1"/>
-            <p:extLst>
-              <p:ext uri="{D42A27DB-BD31-4B8C-83A1-F6EECF244321}">
-                <p14:modId xmlns:p14="http://schemas.microsoft.com/office/powerpoint/2010/main" val="3522452075"/>
-              </p:ext>
-            </p:extLst>
-          </p:nvPr>
-        </p:nvGraphicFramePr>
-        <p:xfrm>
-          <a:off x="5166985" y="303591"/>
-          <a:ext cx="6588691" cy="5896743"/>
-        </p:xfrm>
-        <a:graphic>
-          <a:graphicData uri="http://schemas.openxmlformats.org/drawingml/2006/diagram">
-            <dgm:relIds xmlns:dgm="http://schemas.openxmlformats.org/drawingml/2006/diagram" xmlns:r="http://schemas.openxmlformats.org/officeDocument/2006/relationships" r:dm="rId2" r:lo="rId3" r:qs="rId4" r:cs="rId5"/>
-          </a:graphicData>
-        </a:graphic>
-      </p:graphicFrame>
-    </p:spTree>
-    <p:extLst>
-      <p:ext uri="{BB962C8B-B14F-4D97-AF65-F5344CB8AC3E}">
-        <p14:creationId xmlns:p14="http://schemas.microsoft.com/office/powerpoint/2010/main" val="2267399543"/>
-      </p:ext>
-    </p:extLst>
-  </p:cSld>
-  <p:clrMapOvr>
-    <a:masterClrMapping/>
-  </p:clrMapOvr>
-</p:sld>
-</file>
-
-<file path=ppt/slides/slide20.xml><?xml version="1.0" encoding="utf-8"?>
+<file path=ppt/slides/slide22.xml><?xml version="1.0" encoding="utf-8"?>
 <p:sld xmlns:a="http://schemas.openxmlformats.org/drawingml/2006/main" xmlns:r="http://schemas.openxmlformats.org/officeDocument/2006/relationships" xmlns:p="http://schemas.openxmlformats.org/presentationml/2006/main">
   <p:cSld>
     <p:bg>
@@ -16213,7 +18150,7 @@
 </p:sld>
 </file>
 
-<file path=ppt/slides/slide21.xml><?xml version="1.0" encoding="utf-8"?>
+<file path=ppt/slides/slide23.xml><?xml version="1.0" encoding="utf-8"?>
 <p:sld xmlns:a="http://schemas.openxmlformats.org/drawingml/2006/main" xmlns:r="http://schemas.openxmlformats.org/officeDocument/2006/relationships" xmlns:p="http://schemas.openxmlformats.org/presentationml/2006/main">
   <p:cSld>
     <p:bg>
@@ -16600,7 +18537,7 @@
 </p:sld>
 </file>
 
-<file path=ppt/slides/slide22.xml><?xml version="1.0" encoding="utf-8"?>
+<file path=ppt/slides/slide24.xml><?xml version="1.0" encoding="utf-8"?>
 <p:sld xmlns:a="http://schemas.openxmlformats.org/drawingml/2006/main" xmlns:r="http://schemas.openxmlformats.org/officeDocument/2006/relationships" xmlns:p="http://schemas.openxmlformats.org/presentationml/2006/main">
   <p:cSld>
     <p:bg>
@@ -16936,7 +18873,7 @@
 </p:sld>
 </file>
 
-<file path=ppt/slides/slide23.xml><?xml version="1.0" encoding="utf-8"?>
+<file path=ppt/slides/slide25.xml><?xml version="1.0" encoding="utf-8"?>
 <p:sld xmlns:a="http://schemas.openxmlformats.org/drawingml/2006/main" xmlns:r="http://schemas.openxmlformats.org/officeDocument/2006/relationships" xmlns:p="http://schemas.openxmlformats.org/presentationml/2006/main">
   <p:cSld>
     <p:bg>
@@ -17429,7 +19366,7 @@
 </p:sld>
 </file>
 
-<file path=ppt/slides/slide24.xml><?xml version="1.0" encoding="utf-8"?>
+<file path=ppt/slides/slide26.xml><?xml version="1.0" encoding="utf-8"?>
 <p:sld xmlns:a="http://schemas.openxmlformats.org/drawingml/2006/main" xmlns:r="http://schemas.openxmlformats.org/officeDocument/2006/relationships" xmlns:p="http://schemas.openxmlformats.org/presentationml/2006/main">
   <p:cSld>
     <p:bg>
@@ -17601,7 +19538,7 @@
           <a:p>
             <a:pPr algn="ctr"/>
             <a:r>
-              <a:rPr lang="en-US" sz="3000" b="1">
+              <a:rPr lang="en-US" sz="3000" b="1" dirty="0">
                 <a:solidFill>
                   <a:srgbClr val="FFFFFF"/>
                 </a:solidFill>
@@ -17610,7 +19547,7 @@
               <a:t>Our parameters are:</a:t>
             </a:r>
             <a:br>
-              <a:rPr lang="en-US" sz="3000" b="1">
+              <a:rPr lang="en-US" sz="3000" b="1" dirty="0">
                 <a:solidFill>
                   <a:srgbClr val="FFFFFF"/>
                 </a:solidFill>
@@ -17618,7 +19555,7 @@
               </a:rPr>
             </a:br>
             <a:r>
-              <a:rPr lang="en-US" sz="3000" b="1">
+              <a:rPr lang="en-US" sz="3000" b="1" dirty="0">
                 <a:solidFill>
                   <a:srgbClr val="FFFFFF"/>
                 </a:solidFill>
@@ -17627,7 +19564,7 @@
               <a:t>q=1.0 , p=1.0, dimension=16, num</a:t>
             </a:r>
             <a:r>
-              <a:rPr lang="en-US" sz="3000" b="1">
+              <a:rPr lang="en-US" sz="3000" b="1" dirty="0">
                 <a:solidFill>
                   <a:srgbClr val="FFFFFF"/>
                 </a:solidFill>
@@ -17635,7 +19572,7 @@
               <a:t>ber of </a:t>
             </a:r>
             <a:r>
-              <a:rPr lang="en-US" sz="3000" b="1">
+              <a:rPr lang="en-US" sz="3000" b="1" dirty="0">
                 <a:solidFill>
                   <a:srgbClr val="FFFFFF"/>
                 </a:solidFill>
@@ -17643,7 +19580,7 @@
               </a:rPr>
               <a:t>walk 100</a:t>
             </a:r>
-            <a:endParaRPr lang="en-US" sz="3000" b="1">
+            <a:endParaRPr lang="en-US" sz="3000" b="1" dirty="0">
               <a:solidFill>
                 <a:srgbClr val="FFFFFF"/>
               </a:solidFill>
@@ -17778,7 +19715,7 @@
 </p:sld>
 </file>
 
-<file path=ppt/slides/slide25.xml><?xml version="1.0" encoding="utf-8"?>
+<file path=ppt/slides/slide27.xml><?xml version="1.0" encoding="utf-8"?>
 <p:sld xmlns:a="http://schemas.openxmlformats.org/drawingml/2006/main" xmlns:r="http://schemas.openxmlformats.org/officeDocument/2006/relationships" xmlns:p="http://schemas.openxmlformats.org/presentationml/2006/main">
   <p:cSld>
     <p:bg>
@@ -17950,7 +19887,7 @@
           <a:p>
             <a:pPr algn="ctr"/>
             <a:r>
-              <a:rPr lang="en-US" sz="3000" b="1">
+              <a:rPr lang="en-US" sz="3000" b="1" dirty="0">
                 <a:solidFill>
                   <a:srgbClr val="FFFFFF"/>
                 </a:solidFill>
@@ -17959,7 +19896,7 @@
               <a:t>Our parameters are:</a:t>
             </a:r>
             <a:br>
-              <a:rPr lang="en-US" sz="3000" b="1">
+              <a:rPr lang="en-US" sz="3000" b="1" dirty="0">
                 <a:solidFill>
                   <a:srgbClr val="FFFFFF"/>
                 </a:solidFill>
@@ -17967,7 +19904,7 @@
               </a:rPr>
             </a:br>
             <a:r>
-              <a:rPr lang="en-US" sz="3000" b="1">
+              <a:rPr lang="en-US" sz="3000" b="1" dirty="0">
                 <a:solidFill>
                   <a:srgbClr val="FFFFFF"/>
                 </a:solidFill>
@@ -17975,7 +19912,7 @@
               </a:rPr>
               <a:t>q=1.0 , p=1.0, dimension=200 </a:t>
             </a:r>
-            <a:endParaRPr lang="en-US" sz="3000" b="1">
+            <a:endParaRPr lang="en-US" sz="3000" b="1" dirty="0">
               <a:solidFill>
                 <a:srgbClr val="FFFFFF"/>
               </a:solidFill>
@@ -18110,7 +20047,7 @@
 </p:sld>
 </file>
 
-<file path=ppt/slides/slide26.xml><?xml version="1.0" encoding="utf-8"?>
+<file path=ppt/slides/slide28.xml><?xml version="1.0" encoding="utf-8"?>
 <p:sld xmlns:a="http://schemas.openxmlformats.org/drawingml/2006/main" xmlns:r="http://schemas.openxmlformats.org/officeDocument/2006/relationships" xmlns:p="http://schemas.openxmlformats.org/presentationml/2006/main">
   <p:cSld>
     <p:bg>
@@ -18322,7 +20259,7 @@
 </p:sld>
 </file>
 
-<file path=ppt/slides/slide27.xml><?xml version="1.0" encoding="utf-8"?>
+<file path=ppt/slides/slide29.xml><?xml version="1.0" encoding="utf-8"?>
 <p:sld xmlns:a="http://schemas.openxmlformats.org/drawingml/2006/main" xmlns:r="http://schemas.openxmlformats.org/officeDocument/2006/relationships" xmlns:p="http://schemas.openxmlformats.org/presentationml/2006/main">
   <p:cSld>
     <p:bg>
@@ -18826,12 +20763,26 @@
               </a:rPr>
               <a:t>https://towardsdatascience.com/confusion-matrix-for-your-multi-class-machine-learning-model-ff9aa3bf7826</a:t>
             </a:r>
+            <a:endParaRPr lang="en-IE" sz="1600" dirty="0">
+              <a:latin typeface="Times New Roman" panose="02020603050405020304" pitchFamily="18" charset="0"/>
+              <a:cs typeface="Times New Roman" panose="02020603050405020304" pitchFamily="18" charset="0"/>
+            </a:endParaRPr>
+          </a:p>
+          <a:p>
+            <a:r>
+              <a:rPr lang="en-IE" sz="1600" dirty="0">
+                <a:latin typeface="Times New Roman" panose="02020603050405020304" pitchFamily="18" charset="0"/>
+                <a:cs typeface="Times New Roman" panose="02020603050405020304" pitchFamily="18" charset="0"/>
+                <a:hlinkClick r:id="rId9"/>
+              </a:rPr>
+              <a:t>http://faculty.quinnipiac.edu/libarts/polsci/Statistics.html</a:t>
+            </a:r>
             <a:r>
               <a:rPr lang="en-IE" sz="1600" dirty="0">
                 <a:latin typeface="Times New Roman" panose="02020603050405020304" pitchFamily="18" charset="0"/>
                 <a:cs typeface="Times New Roman" panose="02020603050405020304" pitchFamily="18" charset="0"/>
               </a:rPr>
-              <a:t> </a:t>
+              <a:t>  </a:t>
             </a:r>
           </a:p>
           <a:p>
@@ -18855,7 +20806,191 @@
 </p:sld>
 </file>
 
-<file path=ppt/slides/slide28.xml><?xml version="1.0" encoding="utf-8"?>
+<file path=ppt/slides/slide3.xml><?xml version="1.0" encoding="utf-8"?>
+<p:sld xmlns:a="http://schemas.openxmlformats.org/drawingml/2006/main" xmlns:r="http://schemas.openxmlformats.org/officeDocument/2006/relationships" xmlns:p="http://schemas.openxmlformats.org/presentationml/2006/main">
+  <p:cSld>
+    <p:bg>
+      <p:bgPr>
+        <a:solidFill>
+          <a:schemeClr val="bg1"/>
+        </a:solidFill>
+        <a:effectLst/>
+      </p:bgPr>
+    </p:bg>
+    <p:spTree>
+      <p:nvGrpSpPr>
+        <p:cNvPr id="1" name=""/>
+        <p:cNvGrpSpPr/>
+        <p:nvPr/>
+      </p:nvGrpSpPr>
+      <p:grpSpPr>
+        <a:xfrm>
+          <a:off x="0" y="0"/>
+          <a:ext cx="0" cy="0"/>
+          <a:chOff x="0" y="0"/>
+          <a:chExt cx="0" cy="0"/>
+        </a:xfrm>
+      </p:grpSpPr>
+      <p:sp>
+        <p:nvSpPr>
+          <p:cNvPr id="9" name="Rectangle 8">
+            <a:extLst>
+              <a:ext uri="{FF2B5EF4-FFF2-40B4-BE49-F238E27FC236}">
+                <a16:creationId xmlns:a16="http://schemas.microsoft.com/office/drawing/2014/main" id="{3A5B4632-C963-4296-86F0-79AA9EA5AE98}"/>
+              </a:ext>
+              <a:ext uri="{C183D7F6-B498-43B3-948B-1728B52AA6E4}">
+                <adec:decorative xmlns:adec="http://schemas.microsoft.com/office/drawing/2017/decorative" val="1"/>
+              </a:ext>
+            </a:extLst>
+          </p:cNvPr>
+          <p:cNvSpPr>
+            <a:spLocks noGrp="1" noRot="1" noChangeAspect="1" noMove="1" noResize="1" noEditPoints="1" noAdjustHandles="1" noChangeArrowheads="1" noChangeShapeType="1" noTextEdit="1"/>
+          </p:cNvSpPr>
+          <p:nvPr>
+            <p:extLst>
+              <p:ext uri="{386F3935-93C4-4BCD-93E2-E3B085C9AB24}">
+                <p16:designElem xmlns:p16="http://schemas.microsoft.com/office/powerpoint/2015/main" val="1"/>
+              </p:ext>
+            </p:extLst>
+          </p:nvPr>
+        </p:nvSpPr>
+        <p:spPr bwMode="ltGray">
+          <a:xfrm>
+            <a:off x="338328" y="303591"/>
+            <a:ext cx="4335327" cy="5896743"/>
+          </a:xfrm>
+          <a:prstGeom prst="rect">
+            <a:avLst/>
+          </a:prstGeom>
+          <a:solidFill>
+            <a:schemeClr val="tx1">
+              <a:lumMod val="75000"/>
+              <a:lumOff val="25000"/>
+            </a:schemeClr>
+          </a:solidFill>
+          <a:ln w="127000" cap="sq" cmpd="thinThick">
+            <a:solidFill>
+              <a:schemeClr val="tx1">
+                <a:lumMod val="75000"/>
+                <a:lumOff val="25000"/>
+              </a:schemeClr>
+            </a:solidFill>
+          </a:ln>
+        </p:spPr>
+        <p:style>
+          <a:lnRef idx="2">
+            <a:schemeClr val="accent1">
+              <a:shade val="50000"/>
+            </a:schemeClr>
+          </a:lnRef>
+          <a:fillRef idx="1">
+            <a:schemeClr val="accent1"/>
+          </a:fillRef>
+          <a:effectRef idx="0">
+            <a:schemeClr val="accent1"/>
+          </a:effectRef>
+          <a:fontRef idx="minor">
+            <a:schemeClr val="lt1"/>
+          </a:fontRef>
+        </p:style>
+        <p:txBody>
+          <a:bodyPr rtlCol="0" anchor="ctr"/>
+          <a:lstStyle/>
+          <a:p>
+            <a:pPr algn="ctr"/>
+            <a:endParaRPr lang="en-US"/>
+          </a:p>
+        </p:txBody>
+      </p:sp>
+      <p:sp>
+        <p:nvSpPr>
+          <p:cNvPr id="2" name="Title 1">
+            <a:extLst>
+              <a:ext uri="{FF2B5EF4-FFF2-40B4-BE49-F238E27FC236}">
+                <a16:creationId xmlns:a16="http://schemas.microsoft.com/office/drawing/2014/main" id="{912F8F21-1130-BA35-BD3B-3D19F5E20FDC}"/>
+              </a:ext>
+            </a:extLst>
+          </p:cNvPr>
+          <p:cNvSpPr>
+            <a:spLocks noGrp="1"/>
+          </p:cNvSpPr>
+          <p:nvPr>
+            <p:ph type="title"/>
+          </p:nvPr>
+        </p:nvSpPr>
+        <p:spPr>
+          <a:xfrm>
+            <a:off x="594360" y="637125"/>
+            <a:ext cx="3802276" cy="5256371"/>
+          </a:xfrm>
+        </p:spPr>
+        <p:txBody>
+          <a:bodyPr>
+            <a:normAutofit/>
+          </a:bodyPr>
+          <a:lstStyle/>
+          <a:p>
+            <a:r>
+              <a:rPr lang="en-US" sz="4800">
+                <a:solidFill>
+                  <a:schemeClr val="bg1"/>
+                </a:solidFill>
+              </a:rPr>
+              <a:t>Index</a:t>
+            </a:r>
+            <a:endParaRPr lang="en-IE" sz="4800">
+              <a:solidFill>
+                <a:schemeClr val="bg1"/>
+              </a:solidFill>
+            </a:endParaRPr>
+          </a:p>
+        </p:txBody>
+      </p:sp>
+      <p:graphicFrame>
+        <p:nvGraphicFramePr>
+          <p:cNvPr id="7" name="Content Placeholder 2">
+            <a:extLst>
+              <a:ext uri="{FF2B5EF4-FFF2-40B4-BE49-F238E27FC236}">
+                <a16:creationId xmlns:a16="http://schemas.microsoft.com/office/drawing/2014/main" id="{761A55B0-D2BF-055C-C918-EA92BFED5B8B}"/>
+              </a:ext>
+            </a:extLst>
+          </p:cNvPr>
+          <p:cNvGraphicFramePr>
+            <a:graphicFrameLocks noGrp="1"/>
+          </p:cNvGraphicFramePr>
+          <p:nvPr>
+            <p:ph idx="1"/>
+            <p:extLst>
+              <p:ext uri="{D42A27DB-BD31-4B8C-83A1-F6EECF244321}">
+                <p14:modId xmlns:p14="http://schemas.microsoft.com/office/powerpoint/2010/main" val="3609390333"/>
+              </p:ext>
+            </p:extLst>
+          </p:nvPr>
+        </p:nvGraphicFramePr>
+        <p:xfrm>
+          <a:off x="5166985" y="303591"/>
+          <a:ext cx="6588691" cy="5896743"/>
+        </p:xfrm>
+        <a:graphic>
+          <a:graphicData uri="http://schemas.openxmlformats.org/drawingml/2006/diagram">
+            <dgm:relIds xmlns:dgm="http://schemas.openxmlformats.org/drawingml/2006/diagram" xmlns:r="http://schemas.openxmlformats.org/officeDocument/2006/relationships" r:dm="rId2" r:lo="rId3" r:qs="rId4" r:cs="rId5"/>
+          </a:graphicData>
+        </a:graphic>
+      </p:graphicFrame>
+    </p:spTree>
+    <p:extLst>
+      <p:ext uri="{BB962C8B-B14F-4D97-AF65-F5344CB8AC3E}">
+        <p14:creationId xmlns:p14="http://schemas.microsoft.com/office/powerpoint/2010/main" val="2267399543"/>
+      </p:ext>
+    </p:extLst>
+  </p:cSld>
+  <p:clrMapOvr>
+    <a:masterClrMapping/>
+  </p:clrMapOvr>
+</p:sld>
+</file>
+
+<file path=ppt/slides/slide30.xml><?xml version="1.0" encoding="utf-8"?>
 <p:sld xmlns:a="http://schemas.openxmlformats.org/drawingml/2006/main" xmlns:r="http://schemas.openxmlformats.org/officeDocument/2006/relationships" xmlns:p="http://schemas.openxmlformats.org/presentationml/2006/main">
   <p:cSld>
     <p:bg>
@@ -19348,7 +21483,7 @@
 </p:sld>
 </file>
 
-<file path=ppt/slides/slide3.xml><?xml version="1.0" encoding="utf-8"?>
+<file path=ppt/slides/slide4.xml><?xml version="1.0" encoding="utf-8"?>
 <p:sld xmlns:a="http://schemas.openxmlformats.org/drawingml/2006/main" xmlns:r="http://schemas.openxmlformats.org/officeDocument/2006/relationships" xmlns:p="http://schemas.openxmlformats.org/presentationml/2006/main">
   <p:cSld>
     <p:bg>
@@ -19572,7 +21707,7 @@
 </p:sld>
 </file>
 
-<file path=ppt/slides/slide4.xml><?xml version="1.0" encoding="utf-8"?>
+<file path=ppt/slides/slide5.xml><?xml version="1.0" encoding="utf-8"?>
 <p:sld xmlns:a="http://schemas.openxmlformats.org/drawingml/2006/main" xmlns:r="http://schemas.openxmlformats.org/officeDocument/2006/relationships" xmlns:p="http://schemas.openxmlformats.org/presentationml/2006/main">
   <p:cSld>
     <p:bg>
@@ -20247,7 +22382,7 @@
 </p:sld>
 </file>
 
-<file path=ppt/slides/slide5.xml><?xml version="1.0" encoding="utf-8"?>
+<file path=ppt/slides/slide6.xml><?xml version="1.0" encoding="utf-8"?>
 <p:sld xmlns:a="http://schemas.openxmlformats.org/drawingml/2006/main" xmlns:r="http://schemas.openxmlformats.org/officeDocument/2006/relationships" xmlns:p="http://schemas.openxmlformats.org/presentationml/2006/main">
   <p:cSld>
     <p:bg>
@@ -21918,7 +24053,7 @@
                   <a:schemeClr val="bg1"/>
                 </a:solidFill>
               </a:rPr>
-              <a:t>In this application, we have used the citations dataset, but you can apply it to other fields. In the beginning, we have tried to apply a co-purchase system but we didn’t accomplish it because of some technical challenges.</a:t>
+              <a:t>In this application, we have used the citations dataset, but you can apply it to other fields. In the beginning, we tried to apply a co-purchase system but we didn’t accomplish it because of some technical challenges.</a:t>
             </a:r>
           </a:p>
         </p:txBody>
@@ -21936,7 +24071,210 @@
 </p:sld>
 </file>
 
-<file path=ppt/slides/slide6.xml><?xml version="1.0" encoding="utf-8"?>
+<file path=ppt/slides/slide7.xml><?xml version="1.0" encoding="utf-8"?>
+<p:sld xmlns:a="http://schemas.openxmlformats.org/drawingml/2006/main" xmlns:r="http://schemas.openxmlformats.org/officeDocument/2006/relationships" xmlns:p="http://schemas.openxmlformats.org/presentationml/2006/main">
+  <p:cSld>
+    <p:bg>
+      <p:bgPr>
+        <a:solidFill>
+          <a:schemeClr val="bg1"/>
+        </a:solidFill>
+        <a:effectLst/>
+      </p:bgPr>
+    </p:bg>
+    <p:spTree>
+      <p:nvGrpSpPr>
+        <p:cNvPr id="1" name=""/>
+        <p:cNvGrpSpPr/>
+        <p:nvPr/>
+      </p:nvGrpSpPr>
+      <p:grpSpPr>
+        <a:xfrm>
+          <a:off x="0" y="0"/>
+          <a:ext cx="0" cy="0"/>
+          <a:chOff x="0" y="0"/>
+          <a:chExt cx="0" cy="0"/>
+        </a:xfrm>
+      </p:grpSpPr>
+      <p:sp>
+        <p:nvSpPr>
+          <p:cNvPr id="2" name="Title 1">
+            <a:extLst>
+              <a:ext uri="{FF2B5EF4-FFF2-40B4-BE49-F238E27FC236}">
+                <a16:creationId xmlns:a16="http://schemas.microsoft.com/office/drawing/2014/main" id="{35AAA451-90A3-6F3A-A494-BB95B69E3041}"/>
+              </a:ext>
+            </a:extLst>
+          </p:cNvPr>
+          <p:cNvSpPr>
+            <a:spLocks noGrp="1"/>
+          </p:cNvSpPr>
+          <p:nvPr>
+            <p:ph type="title"/>
+          </p:nvPr>
+        </p:nvSpPr>
+        <p:spPr>
+          <a:xfrm>
+            <a:off x="4965430" y="629268"/>
+            <a:ext cx="6586491" cy="1286160"/>
+          </a:xfrm>
+        </p:spPr>
+        <p:txBody>
+          <a:bodyPr anchor="b">
+            <a:normAutofit/>
+          </a:bodyPr>
+          <a:lstStyle/>
+          <a:p>
+            <a:r>
+              <a:rPr lang="en-US" dirty="0"/>
+              <a:t>What is Link Prediction?</a:t>
+            </a:r>
+            <a:endParaRPr lang="en-IE" dirty="0"/>
+          </a:p>
+        </p:txBody>
+      </p:sp>
+      <p:sp>
+        <p:nvSpPr>
+          <p:cNvPr id="3" name="Content Placeholder 2">
+            <a:extLst>
+              <a:ext uri="{FF2B5EF4-FFF2-40B4-BE49-F238E27FC236}">
+                <a16:creationId xmlns:a16="http://schemas.microsoft.com/office/drawing/2014/main" id="{906179B5-F79E-65E1-2027-81694F2D263B}"/>
+              </a:ext>
+            </a:extLst>
+          </p:cNvPr>
+          <p:cNvSpPr>
+            <a:spLocks noGrp="1"/>
+          </p:cNvSpPr>
+          <p:nvPr>
+            <p:ph idx="1"/>
+          </p:nvPr>
+        </p:nvSpPr>
+        <p:spPr>
+          <a:xfrm>
+            <a:off x="4965431" y="2438400"/>
+            <a:ext cx="6586489" cy="3785419"/>
+          </a:xfrm>
+        </p:spPr>
+        <p:txBody>
+          <a:bodyPr>
+            <a:normAutofit/>
+          </a:bodyPr>
+          <a:lstStyle/>
+          <a:p>
+            <a:r>
+              <a:rPr lang="en-US" sz="2000" i="0" dirty="0">
+                <a:effectLst/>
+                <a:latin typeface="Times New Roman" panose="02020603050405020304" pitchFamily="18" charset="0"/>
+                <a:cs typeface="Times New Roman" panose="02020603050405020304" pitchFamily="18" charset="0"/>
+              </a:rPr>
+              <a:t> The objective of link prediction is to identify pairs of nodes that will either form a link or not in the future.</a:t>
+            </a:r>
+            <a:br>
+              <a:rPr lang="en-US" sz="2000" b="0" i="0" u="none" strike="noStrike" dirty="0">
+                <a:effectLst/>
+                <a:latin typeface="Lato" panose="020B0604020202020204" pitchFamily="34" charset="0"/>
+                <a:hlinkClick r:id="rId2"/>
+              </a:rPr>
+            </a:br>
+            <a:endParaRPr lang="en-IE" sz="2000" dirty="0"/>
+          </a:p>
+        </p:txBody>
+      </p:sp>
+      <p:pic>
+        <p:nvPicPr>
+          <p:cNvPr id="11" name="Picture 4" descr="Pins pinned on a white surface and connecting a black thread">
+            <a:extLst>
+              <a:ext uri="{FF2B5EF4-FFF2-40B4-BE49-F238E27FC236}">
+                <a16:creationId xmlns:a16="http://schemas.microsoft.com/office/drawing/2014/main" id="{5AC8119E-954E-5758-C2DF-E30B6D732981}"/>
+              </a:ext>
+            </a:extLst>
+          </p:cNvPr>
+          <p:cNvPicPr>
+            <a:picLocks noChangeAspect="1"/>
+          </p:cNvPicPr>
+          <p:nvPr/>
+        </p:nvPicPr>
+        <p:blipFill rotWithShape="1">
+          <a:blip r:embed="rId3"/>
+          <a:srcRect l="12482" r="42399" b="-1"/>
+          <a:stretch/>
+        </p:blipFill>
+        <p:spPr>
+          <a:xfrm>
+            <a:off x="20" y="10"/>
+            <a:ext cx="4635571" cy="6857990"/>
+          </a:xfrm>
+          <a:prstGeom prst="rect">
+            <a:avLst/>
+          </a:prstGeom>
+          <a:effectLst/>
+        </p:spPr>
+      </p:pic>
+      <p:cxnSp>
+        <p:nvCxnSpPr>
+          <p:cNvPr id="12" name="Straight Connector 8">
+            <a:extLst>
+              <a:ext uri="{FF2B5EF4-FFF2-40B4-BE49-F238E27FC236}">
+                <a16:creationId xmlns:a16="http://schemas.microsoft.com/office/drawing/2014/main" id="{A7F400EE-A8A5-48AF-B4D6-291B52C6F0B0}"/>
+              </a:ext>
+              <a:ext uri="{C183D7F6-B498-43B3-948B-1728B52AA6E4}">
+                <adec:decorative xmlns:adec="http://schemas.microsoft.com/office/drawing/2017/decorative" val="1"/>
+              </a:ext>
+            </a:extLst>
+          </p:cNvPr>
+          <p:cNvCxnSpPr>
+            <a:cxnSpLocks noGrp="1" noRot="1" noChangeAspect="1" noMove="1" noResize="1" noEditPoints="1" noAdjustHandles="1" noChangeArrowheads="1" noChangeShapeType="1"/>
+          </p:cNvCxnSpPr>
+          <p:nvPr>
+            <p:extLst>
+              <p:ext uri="{386F3935-93C4-4BCD-93E2-E3B085C9AB24}">
+                <p16:designElem xmlns:p16="http://schemas.microsoft.com/office/powerpoint/2015/main" val="1"/>
+              </p:ext>
+            </p:extLst>
+          </p:nvPr>
+        </p:nvCxnSpPr>
+        <p:spPr>
+          <a:xfrm>
+            <a:off x="5080934" y="2115117"/>
+            <a:ext cx="6309360" cy="0"/>
+          </a:xfrm>
+          <a:prstGeom prst="line">
+            <a:avLst/>
+          </a:prstGeom>
+          <a:ln w="19050">
+            <a:solidFill>
+              <a:srgbClr val="E7DA6C"/>
+            </a:solidFill>
+          </a:ln>
+        </p:spPr>
+        <p:style>
+          <a:lnRef idx="1">
+            <a:schemeClr val="accent1"/>
+          </a:lnRef>
+          <a:fillRef idx="0">
+            <a:schemeClr val="accent1"/>
+          </a:fillRef>
+          <a:effectRef idx="0">
+            <a:schemeClr val="accent1"/>
+          </a:effectRef>
+          <a:fontRef idx="minor">
+            <a:schemeClr val="tx1"/>
+          </a:fontRef>
+        </p:style>
+      </p:cxnSp>
+    </p:spTree>
+    <p:extLst>
+      <p:ext uri="{BB962C8B-B14F-4D97-AF65-F5344CB8AC3E}">
+        <p14:creationId xmlns:p14="http://schemas.microsoft.com/office/powerpoint/2010/main" val="3540026211"/>
+      </p:ext>
+    </p:extLst>
+  </p:cSld>
+  <p:clrMapOvr>
+    <a:masterClrMapping/>
+  </p:clrMapOvr>
+</p:sld>
+</file>
+
+<file path=ppt/slides/slide8.xml><?xml version="1.0" encoding="utf-8"?>
 <p:sld xmlns:a="http://schemas.openxmlformats.org/drawingml/2006/main" xmlns:r="http://schemas.openxmlformats.org/officeDocument/2006/relationships" xmlns:p="http://schemas.openxmlformats.org/presentationml/2006/main">
   <p:cSld>
     <p:bg>
@@ -22160,7 +24498,7 @@
           <a:lstStyle/>
           <a:p>
             <a:r>
-              <a:rPr lang="en-US" sz="4800"/>
+              <a:rPr lang="en-US" sz="4800" dirty="0"/>
               <a:t>Summary of Node Embedding</a:t>
             </a:r>
           </a:p>
@@ -22340,7 +24678,7 @@
 </p:sld>
 </file>
 
-<file path=ppt/slides/slide7.xml><?xml version="1.0" encoding="utf-8"?>
+<file path=ppt/slides/slide9.xml><?xml version="1.0" encoding="utf-8"?>
 <p:sld xmlns:a="http://schemas.openxmlformats.org/drawingml/2006/main" xmlns:r="http://schemas.openxmlformats.org/officeDocument/2006/relationships" xmlns:p="http://schemas.openxmlformats.org/presentationml/2006/main">
   <p:cSld>
     <p:bg>
@@ -23041,574 +25379,6 @@
 </p:sld>
 </file>
 
-<file path=ppt/slides/slide8.xml><?xml version="1.0" encoding="utf-8"?>
-<p:sld xmlns:a="http://schemas.openxmlformats.org/drawingml/2006/main" xmlns:r="http://schemas.openxmlformats.org/officeDocument/2006/relationships" xmlns:p="http://schemas.openxmlformats.org/presentationml/2006/main">
-  <p:cSld>
-    <p:bg>
-      <p:bgPr>
-        <a:solidFill>
-          <a:schemeClr val="bg1"/>
-        </a:solidFill>
-        <a:effectLst/>
-      </p:bgPr>
-    </p:bg>
-    <p:spTree>
-      <p:nvGrpSpPr>
-        <p:cNvPr id="1" name=""/>
-        <p:cNvGrpSpPr/>
-        <p:nvPr/>
-      </p:nvGrpSpPr>
-      <p:grpSpPr>
-        <a:xfrm>
-          <a:off x="0" y="0"/>
-          <a:ext cx="0" cy="0"/>
-          <a:chOff x="0" y="0"/>
-          <a:chExt cx="0" cy="0"/>
-        </a:xfrm>
-      </p:grpSpPr>
-      <p:sp useBgFill="1">
-        <p:nvSpPr>
-          <p:cNvPr id="78" name="Rectangle 77">
-            <a:extLst>
-              <a:ext uri="{FF2B5EF4-FFF2-40B4-BE49-F238E27FC236}">
-                <a16:creationId xmlns:a16="http://schemas.microsoft.com/office/drawing/2014/main" id="{B95B9BA8-1D69-4796-85F5-B6D0BD52354B}"/>
-              </a:ext>
-              <a:ext uri="{C183D7F6-B498-43B3-948B-1728B52AA6E4}">
-                <adec:decorative xmlns:adec="http://schemas.microsoft.com/office/drawing/2017/decorative" val="1"/>
-              </a:ext>
-            </a:extLst>
-          </p:cNvPr>
-          <p:cNvSpPr>
-            <a:spLocks noGrp="1" noRot="1" noChangeAspect="1" noMove="1" noResize="1" noEditPoints="1" noAdjustHandles="1" noChangeArrowheads="1" noChangeShapeType="1" noTextEdit="1"/>
-          </p:cNvSpPr>
-          <p:nvPr>
-            <p:extLst>
-              <p:ext uri="{386F3935-93C4-4BCD-93E2-E3B085C9AB24}">
-                <p16:designElem xmlns:p16="http://schemas.microsoft.com/office/powerpoint/2015/main" val="1"/>
-              </p:ext>
-            </p:extLst>
-          </p:nvPr>
-        </p:nvSpPr>
-        <p:spPr>
-          <a:xfrm>
-            <a:off x="0" y="0"/>
-            <a:ext cx="12192000" cy="6858000"/>
-          </a:xfrm>
-          <a:prstGeom prst="rect">
-            <a:avLst/>
-          </a:prstGeom>
-          <a:solidFill>
-            <a:schemeClr val="tx1"/>
-          </a:solidFill>
-          <a:ln w="12700" cap="flat" cmpd="sng" algn="ctr">
-            <a:noFill/>
-            <a:prstDash val="solid"/>
-            <a:miter lim="800000"/>
-          </a:ln>
-          <a:effectLst/>
-        </p:spPr>
-        <p:style>
-          <a:lnRef idx="2">
-            <a:schemeClr val="accent1">
-              <a:shade val="50000"/>
-            </a:schemeClr>
-          </a:lnRef>
-          <a:fillRef idx="1">
-            <a:schemeClr val="accent1"/>
-          </a:fillRef>
-          <a:effectRef idx="0">
-            <a:schemeClr val="accent1"/>
-          </a:effectRef>
-          <a:fontRef idx="minor">
-            <a:schemeClr val="lt1"/>
-          </a:fontRef>
-        </p:style>
-        <p:txBody>
-          <a:bodyPr rtlCol="0" anchor="ctr"/>
-          <a:lstStyle/>
-          <a:p>
-            <a:pPr algn="ctr"/>
-            <a:endParaRPr lang="en-US"/>
-          </a:p>
-        </p:txBody>
-      </p:sp>
-      <p:sp>
-        <p:nvSpPr>
-          <p:cNvPr id="2" name="Title 1">
-            <a:extLst>
-              <a:ext uri="{FF2B5EF4-FFF2-40B4-BE49-F238E27FC236}">
-                <a16:creationId xmlns:a16="http://schemas.microsoft.com/office/drawing/2014/main" id="{9537D1A7-608F-2239-51FF-DD87A0336BE3}"/>
-              </a:ext>
-            </a:extLst>
-          </p:cNvPr>
-          <p:cNvSpPr>
-            <a:spLocks noGrp="1"/>
-          </p:cNvSpPr>
-          <p:nvPr>
-            <p:ph type="title"/>
-          </p:nvPr>
-        </p:nvSpPr>
-        <p:spPr>
-          <a:xfrm>
-            <a:off x="838200" y="1641752"/>
-            <a:ext cx="4391025" cy="1323439"/>
-          </a:xfrm>
-        </p:spPr>
-        <p:txBody>
-          <a:bodyPr anchor="t">
-            <a:normAutofit/>
-          </a:bodyPr>
-          <a:lstStyle/>
-          <a:p>
-            <a:r>
-              <a:rPr lang="en-US" sz="4000">
-                <a:solidFill>
-                  <a:schemeClr val="bg1"/>
-                </a:solidFill>
-              </a:rPr>
-              <a:t>What is Node Embedding?</a:t>
-            </a:r>
-            <a:endParaRPr lang="en-IE" sz="4000">
-              <a:solidFill>
-                <a:schemeClr val="bg1"/>
-              </a:solidFill>
-            </a:endParaRPr>
-          </a:p>
-        </p:txBody>
-      </p:sp>
-      <p:sp>
-        <p:nvSpPr>
-          <p:cNvPr id="3" name="Content Placeholder 2">
-            <a:extLst>
-              <a:ext uri="{FF2B5EF4-FFF2-40B4-BE49-F238E27FC236}">
-                <a16:creationId xmlns:a16="http://schemas.microsoft.com/office/drawing/2014/main" id="{212529F0-746A-2436-7AC1-491AC9C7CD0C}"/>
-              </a:ext>
-            </a:extLst>
-          </p:cNvPr>
-          <p:cNvSpPr>
-            <a:spLocks noGrp="1"/>
-          </p:cNvSpPr>
-          <p:nvPr>
-            <p:ph idx="1"/>
-          </p:nvPr>
-        </p:nvSpPr>
-        <p:spPr>
-          <a:xfrm>
-            <a:off x="838200" y="3146400"/>
-            <a:ext cx="4391025" cy="2454300"/>
-          </a:xfrm>
-        </p:spPr>
-        <p:txBody>
-          <a:bodyPr>
-            <a:normAutofit/>
-          </a:bodyPr>
-          <a:lstStyle/>
-          <a:p>
-            <a:r>
-              <a:rPr lang="en-US" sz="2000" b="0" i="0">
-                <a:solidFill>
-                  <a:schemeClr val="bg1">
-                    <a:alpha val="80000"/>
-                  </a:schemeClr>
-                </a:solidFill>
-                <a:effectLst/>
-                <a:latin typeface="Times New Roman" panose="02020603050405020304" pitchFamily="18" charset="0"/>
-                <a:cs typeface="Times New Roman" panose="02020603050405020304" pitchFamily="18" charset="0"/>
-              </a:rPr>
-              <a:t>Node embeddings are </a:t>
-            </a:r>
-            <a:r>
-              <a:rPr lang="en-US" sz="2000" b="1" i="0">
-                <a:solidFill>
-                  <a:schemeClr val="bg1">
-                    <a:alpha val="80000"/>
-                  </a:schemeClr>
-                </a:solidFill>
-                <a:effectLst/>
-                <a:latin typeface="Times New Roman" panose="02020603050405020304" pitchFamily="18" charset="0"/>
-                <a:cs typeface="Times New Roman" panose="02020603050405020304" pitchFamily="18" charset="0"/>
-              </a:rPr>
-              <a:t>a way of representing nodes as vectors</a:t>
-            </a:r>
-            <a:r>
-              <a:rPr lang="en-US" sz="2000" b="0" i="0">
-                <a:solidFill>
-                  <a:schemeClr val="bg1">
-                    <a:alpha val="80000"/>
-                  </a:schemeClr>
-                </a:solidFill>
-                <a:effectLst/>
-                <a:latin typeface="Times New Roman" panose="02020603050405020304" pitchFamily="18" charset="0"/>
-                <a:cs typeface="Times New Roman" panose="02020603050405020304" pitchFamily="18" charset="0"/>
-              </a:rPr>
-              <a:t>. </a:t>
-            </a:r>
-          </a:p>
-          <a:p>
-            <a:r>
-              <a:rPr lang="en-US" sz="2000">
-                <a:solidFill>
-                  <a:schemeClr val="bg1">
-                    <a:alpha val="80000"/>
-                  </a:schemeClr>
-                </a:solidFill>
-                <a:latin typeface="et-book"/>
-              </a:rPr>
-              <a:t>To be clear by “Embedding” </a:t>
-            </a:r>
-            <a:r>
-              <a:rPr lang="en-US" sz="2000" b="0" i="0">
-                <a:solidFill>
-                  <a:schemeClr val="bg1">
-                    <a:alpha val="80000"/>
-                  </a:schemeClr>
-                </a:solidFill>
-                <a:effectLst/>
-                <a:latin typeface="et-book"/>
-              </a:rPr>
-              <a:t>I mean mapping each node in a network into a low-dimensional space, which will give us insight into nodes’ similarity and network structure.</a:t>
-            </a:r>
-            <a:endParaRPr lang="en-IE" sz="2000">
-              <a:solidFill>
-                <a:schemeClr val="bg1">
-                  <a:alpha val="80000"/>
-                </a:schemeClr>
-              </a:solidFill>
-            </a:endParaRPr>
-          </a:p>
-          <a:p>
-            <a:endParaRPr lang="en-IE" sz="2000">
-              <a:solidFill>
-                <a:schemeClr val="bg1">
-                  <a:alpha val="80000"/>
-                </a:schemeClr>
-              </a:solidFill>
-              <a:latin typeface="Times New Roman" panose="02020603050405020304" pitchFamily="18" charset="0"/>
-              <a:cs typeface="Times New Roman" panose="02020603050405020304" pitchFamily="18" charset="0"/>
-            </a:endParaRPr>
-          </a:p>
-        </p:txBody>
-      </p:sp>
-      <p:pic>
-        <p:nvPicPr>
-          <p:cNvPr id="5" name="Picture 4" descr="Diagram&#10;&#10;Description automatically generated">
-            <a:extLst>
-              <a:ext uri="{FF2B5EF4-FFF2-40B4-BE49-F238E27FC236}">
-                <a16:creationId xmlns:a16="http://schemas.microsoft.com/office/drawing/2014/main" id="{F2F71826-E929-F00B-716D-62A2D443E030}"/>
-              </a:ext>
-            </a:extLst>
-          </p:cNvPr>
-          <p:cNvPicPr>
-            <a:picLocks noChangeAspect="1"/>
-          </p:cNvPicPr>
-          <p:nvPr/>
-        </p:nvPicPr>
-        <p:blipFill>
-          <a:blip r:embed="rId2"/>
-          <a:stretch>
-            <a:fillRect/>
-          </a:stretch>
-        </p:blipFill>
-        <p:spPr>
-          <a:xfrm>
-            <a:off x="6095999" y="2298107"/>
-            <a:ext cx="5260976" cy="2222762"/>
-          </a:xfrm>
-          <a:prstGeom prst="rect">
-            <a:avLst/>
-          </a:prstGeom>
-        </p:spPr>
-      </p:pic>
-    </p:spTree>
-    <p:extLst>
-      <p:ext uri="{BB962C8B-B14F-4D97-AF65-F5344CB8AC3E}">
-        <p14:creationId xmlns:p14="http://schemas.microsoft.com/office/powerpoint/2010/main" val="1205239680"/>
-      </p:ext>
-    </p:extLst>
-  </p:cSld>
-  <p:clrMapOvr>
-    <a:masterClrMapping/>
-  </p:clrMapOvr>
-</p:sld>
-</file>
-
-<file path=ppt/slides/slide9.xml><?xml version="1.0" encoding="utf-8"?>
-<p:sld xmlns:a="http://schemas.openxmlformats.org/drawingml/2006/main" xmlns:r="http://schemas.openxmlformats.org/officeDocument/2006/relationships" xmlns:p="http://schemas.openxmlformats.org/presentationml/2006/main">
-  <p:cSld>
-    <p:bg>
-      <p:bgPr>
-        <a:solidFill>
-          <a:schemeClr val="bg1"/>
-        </a:solidFill>
-        <a:effectLst/>
-      </p:bgPr>
-    </p:bg>
-    <p:spTree>
-      <p:nvGrpSpPr>
-        <p:cNvPr id="1" name=""/>
-        <p:cNvGrpSpPr/>
-        <p:nvPr/>
-      </p:nvGrpSpPr>
-      <p:grpSpPr>
-        <a:xfrm>
-          <a:off x="0" y="0"/>
-          <a:ext cx="0" cy="0"/>
-          <a:chOff x="0" y="0"/>
-          <a:chExt cx="0" cy="0"/>
-        </a:xfrm>
-      </p:grpSpPr>
-      <p:sp useBgFill="1">
-        <p:nvSpPr>
-          <p:cNvPr id="14" name="Rectangle 13">
-            <a:extLst>
-              <a:ext uri="{FF2B5EF4-FFF2-40B4-BE49-F238E27FC236}">
-                <a16:creationId xmlns:a16="http://schemas.microsoft.com/office/drawing/2014/main" id="{B95B9BA8-1D69-4796-85F5-B6D0BD52354B}"/>
-              </a:ext>
-              <a:ext uri="{C183D7F6-B498-43B3-948B-1728B52AA6E4}">
-                <adec:decorative xmlns:adec="http://schemas.microsoft.com/office/drawing/2017/decorative" val="1"/>
-              </a:ext>
-            </a:extLst>
-          </p:cNvPr>
-          <p:cNvSpPr>
-            <a:spLocks noGrp="1" noRot="1" noChangeAspect="1" noMove="1" noResize="1" noEditPoints="1" noAdjustHandles="1" noChangeArrowheads="1" noChangeShapeType="1" noTextEdit="1"/>
-          </p:cNvSpPr>
-          <p:nvPr>
-            <p:extLst>
-              <p:ext uri="{386F3935-93C4-4BCD-93E2-E3B085C9AB24}">
-                <p16:designElem xmlns:p16="http://schemas.microsoft.com/office/powerpoint/2015/main" val="1"/>
-              </p:ext>
-            </p:extLst>
-          </p:nvPr>
-        </p:nvSpPr>
-        <p:spPr>
-          <a:xfrm>
-            <a:off x="0" y="0"/>
-            <a:ext cx="12192000" cy="6858000"/>
-          </a:xfrm>
-          <a:prstGeom prst="rect">
-            <a:avLst/>
-          </a:prstGeom>
-          <a:solidFill>
-            <a:schemeClr val="tx1"/>
-          </a:solidFill>
-          <a:ln w="12700" cap="flat" cmpd="sng" algn="ctr">
-            <a:noFill/>
-            <a:prstDash val="solid"/>
-            <a:miter lim="800000"/>
-          </a:ln>
-          <a:effectLst/>
-        </p:spPr>
-        <p:style>
-          <a:lnRef idx="2">
-            <a:schemeClr val="accent1">
-              <a:shade val="50000"/>
-            </a:schemeClr>
-          </a:lnRef>
-          <a:fillRef idx="1">
-            <a:schemeClr val="accent1"/>
-          </a:fillRef>
-          <a:effectRef idx="0">
-            <a:schemeClr val="accent1"/>
-          </a:effectRef>
-          <a:fontRef idx="minor">
-            <a:schemeClr val="lt1"/>
-          </a:fontRef>
-        </p:style>
-        <p:txBody>
-          <a:bodyPr rtlCol="0" anchor="ctr"/>
-          <a:lstStyle/>
-          <a:p>
-            <a:pPr algn="ctr"/>
-            <a:endParaRPr lang="en-US"/>
-          </a:p>
-        </p:txBody>
-      </p:sp>
-      <p:sp>
-        <p:nvSpPr>
-          <p:cNvPr id="2" name="Title 1">
-            <a:extLst>
-              <a:ext uri="{FF2B5EF4-FFF2-40B4-BE49-F238E27FC236}">
-                <a16:creationId xmlns:a16="http://schemas.microsoft.com/office/drawing/2014/main" id="{08476AE3-B086-7B40-DDD7-279AE731694D}"/>
-              </a:ext>
-            </a:extLst>
-          </p:cNvPr>
-          <p:cNvSpPr>
-            <a:spLocks noGrp="1"/>
-          </p:cNvSpPr>
-          <p:nvPr>
-            <p:ph type="title"/>
-          </p:nvPr>
-        </p:nvSpPr>
-        <p:spPr>
-          <a:xfrm>
-            <a:off x="838200" y="1641752"/>
-            <a:ext cx="4391025" cy="1323439"/>
-          </a:xfrm>
-        </p:spPr>
-        <p:txBody>
-          <a:bodyPr anchor="t">
-            <a:normAutofit/>
-          </a:bodyPr>
-          <a:lstStyle/>
-          <a:p>
-            <a:r>
-              <a:rPr lang="en-US" sz="4000" dirty="0">
-                <a:solidFill>
-                  <a:schemeClr val="bg1"/>
-                </a:solidFill>
-              </a:rPr>
-              <a:t>4 Stage of Node Embedding</a:t>
-            </a:r>
-            <a:endParaRPr lang="en-IE" sz="4000" dirty="0">
-              <a:solidFill>
-                <a:schemeClr val="bg1"/>
-              </a:solidFill>
-            </a:endParaRPr>
-          </a:p>
-        </p:txBody>
-      </p:sp>
-      <p:sp>
-        <p:nvSpPr>
-          <p:cNvPr id="3" name="Content Placeholder 2">
-            <a:extLst>
-              <a:ext uri="{FF2B5EF4-FFF2-40B4-BE49-F238E27FC236}">
-                <a16:creationId xmlns:a16="http://schemas.microsoft.com/office/drawing/2014/main" id="{5EE5D663-D9D0-B83F-588D-B75CFDCBA89A}"/>
-              </a:ext>
-            </a:extLst>
-          </p:cNvPr>
-          <p:cNvSpPr>
-            <a:spLocks noGrp="1"/>
-          </p:cNvSpPr>
-          <p:nvPr>
-            <p:ph idx="1"/>
-          </p:nvPr>
-        </p:nvSpPr>
-        <p:spPr>
-          <a:xfrm>
-            <a:off x="838200" y="3146400"/>
-            <a:ext cx="4391025" cy="2454300"/>
-          </a:xfrm>
-        </p:spPr>
-        <p:txBody>
-          <a:bodyPr>
-            <a:normAutofit/>
-          </a:bodyPr>
-          <a:lstStyle/>
-          <a:p>
-            <a:r>
-              <a:rPr lang="en-IE" sz="2400" b="0" i="0" dirty="0">
-                <a:solidFill>
-                  <a:schemeClr val="bg1">
-                    <a:alpha val="80000"/>
-                  </a:schemeClr>
-                </a:solidFill>
-                <a:effectLst/>
-                <a:latin typeface="et-book"/>
-              </a:rPr>
-              <a:t>Define an encoder</a:t>
-            </a:r>
-          </a:p>
-          <a:p>
-            <a:r>
-              <a:rPr lang="en-US" sz="2400" b="0" i="0" dirty="0">
-                <a:solidFill>
-                  <a:schemeClr val="bg1">
-                    <a:alpha val="80000"/>
-                  </a:schemeClr>
-                </a:solidFill>
-                <a:effectLst/>
-                <a:latin typeface="et-book"/>
-              </a:rPr>
-              <a:t>Define a node similarity function</a:t>
-            </a:r>
-          </a:p>
-          <a:p>
-            <a:r>
-              <a:rPr lang="en-US" sz="2400" dirty="0">
-                <a:solidFill>
-                  <a:schemeClr val="bg1">
-                    <a:alpha val="80000"/>
-                  </a:schemeClr>
-                </a:solidFill>
-                <a:latin typeface="et-book"/>
-              </a:rPr>
-              <a:t>Define Decoder </a:t>
-            </a:r>
-            <a:endParaRPr lang="en-IE" sz="2400" dirty="0">
-              <a:solidFill>
-                <a:schemeClr val="bg1">
-                  <a:alpha val="80000"/>
-                </a:schemeClr>
-              </a:solidFill>
-              <a:latin typeface="et-book"/>
-            </a:endParaRPr>
-          </a:p>
-          <a:p>
-            <a:r>
-              <a:rPr lang="en-US" sz="2400" b="0" i="0" dirty="0">
-                <a:solidFill>
-                  <a:schemeClr val="bg1">
-                    <a:alpha val="80000"/>
-                  </a:schemeClr>
-                </a:solidFill>
-                <a:effectLst/>
-                <a:latin typeface="et-book"/>
-              </a:rPr>
-              <a:t>Optimize the parameters of the encoder</a:t>
-            </a:r>
-            <a:endParaRPr lang="en-IE" sz="2400" dirty="0">
-              <a:solidFill>
-                <a:schemeClr val="bg1">
-                  <a:alpha val="80000"/>
-                </a:schemeClr>
-              </a:solidFill>
-            </a:endParaRPr>
-          </a:p>
-        </p:txBody>
-      </p:sp>
-      <p:pic>
-        <p:nvPicPr>
-          <p:cNvPr id="9" name="Picture 8" descr="Diagram&#10;&#10;Description automatically generated">
-            <a:extLst>
-              <a:ext uri="{FF2B5EF4-FFF2-40B4-BE49-F238E27FC236}">
-                <a16:creationId xmlns:a16="http://schemas.microsoft.com/office/drawing/2014/main" id="{69AA1BFE-BB04-6FB7-F838-304DD36D7BE1}"/>
-              </a:ext>
-            </a:extLst>
-          </p:cNvPr>
-          <p:cNvPicPr>
-            <a:picLocks noChangeAspect="1"/>
-          </p:cNvPicPr>
-          <p:nvPr/>
-        </p:nvPicPr>
-        <p:blipFill>
-          <a:blip r:embed="rId2"/>
-          <a:stretch>
-            <a:fillRect/>
-          </a:stretch>
-        </p:blipFill>
-        <p:spPr>
-          <a:xfrm>
-            <a:off x="6095999" y="2554579"/>
-            <a:ext cx="5260976" cy="1709817"/>
-          </a:xfrm>
-          <a:prstGeom prst="rect">
-            <a:avLst/>
-          </a:prstGeom>
-        </p:spPr>
-      </p:pic>
-    </p:spTree>
-    <p:extLst>
-      <p:ext uri="{BB962C8B-B14F-4D97-AF65-F5344CB8AC3E}">
-        <p14:creationId xmlns:p14="http://schemas.microsoft.com/office/powerpoint/2010/main" val="2115668032"/>
-      </p:ext>
-    </p:extLst>
-  </p:cSld>
-  <p:clrMapOvr>
-    <a:masterClrMapping/>
-  </p:clrMapOvr>
-</p:sld>
-</file>
-
 <file path=ppt/theme/theme1.xml><?xml version="1.0" encoding="utf-8"?>
 <a:theme xmlns:a="http://schemas.openxmlformats.org/drawingml/2006/main" name="Office Theme">
   <a:themeElements>
